--- a/1.Introduction/2. Syllabus.pptx
+++ b/1.Introduction/2. Syllabus.pptx
@@ -10,8 +10,8 @@
   <p:sldIdLst>
     <p:sldId id="272" r:id="rId2"/>
     <p:sldId id="280" r:id="rId3"/>
-    <p:sldId id="282" r:id="rId4"/>
-    <p:sldId id="265" r:id="rId5"/>
+    <p:sldId id="265" r:id="rId4"/>
+    <p:sldId id="282" r:id="rId5"/>
   </p:sldIdLst>
   <p:sldSz cx="12192000" cy="6858000"/>
   <p:notesSz cx="6858000" cy="9144000"/>
@@ -112,7 +112,7 @@
   </p:defaultTextStyle>
   <p:extLst>
     <p:ext uri="{EFAFB233-063F-42B5-8137-9DF3F51BA10A}">
-      <p15:sldGuideLst xmlns="" xmlns:p15="http://schemas.microsoft.com/office/powerpoint/2012/main"/>
+      <p15:sldGuideLst xmlns:p15="http://schemas.microsoft.com/office/powerpoint/2012/main" xmlns=""/>
     </p:ext>
   </p:extLst>
 </p:presentation>
@@ -200,7 +200,7 @@
           <a:p>
             <a:fld id="{C021D10F-9035-49C1-BBBB-7FE92B197790}" type="datetimeFigureOut">
               <a:rPr lang="en-IN" smtClean="0"/>
-              <a:t>05-07-2020</a:t>
+              <a:t>01-08-2020</a:t>
             </a:fld>
             <a:endParaRPr lang="en-IN"/>
           </a:p>
@@ -701,7 +701,7 @@
           <a:p>
             <a:fld id="{055710AC-E790-4FE2-A2B6-6B001E4F6FC4}" type="slidenum">
               <a:rPr lang="en-IN" smtClean="0"/>
-              <a:t>3</a:t>
+              <a:t>4</a:t>
             </a:fld>
             <a:endParaRPr lang="en-IN"/>
           </a:p>
@@ -742,7 +742,7 @@
           <p:cNvPr id="2" name="Title 1">
             <a:extLst>
               <a:ext uri="{FF2B5EF4-FFF2-40B4-BE49-F238E27FC236}">
-                <a16:creationId xmlns="" xmlns:a16="http://schemas.microsoft.com/office/drawing/2014/main" id="{38008176-C6C4-46C0-94D2-F2C26088D0C2}"/>
+                <a16:creationId xmlns:a16="http://schemas.microsoft.com/office/drawing/2014/main" xmlns="" id="{38008176-C6C4-46C0-94D2-F2C26088D0C2}"/>
               </a:ext>
             </a:extLst>
           </p:cNvPr>
@@ -780,7 +780,7 @@
           <p:cNvPr id="3" name="Subtitle 2">
             <a:extLst>
               <a:ext uri="{FF2B5EF4-FFF2-40B4-BE49-F238E27FC236}">
-                <a16:creationId xmlns="" xmlns:a16="http://schemas.microsoft.com/office/drawing/2014/main" id="{4ACA1C55-C53F-43B2-AB9B-C43F3532E8A4}"/>
+                <a16:creationId xmlns:a16="http://schemas.microsoft.com/office/drawing/2014/main" xmlns="" id="{4ACA1C55-C53F-43B2-AB9B-C43F3532E8A4}"/>
               </a:ext>
             </a:extLst>
           </p:cNvPr>
@@ -851,7 +851,7 @@
           <p:cNvPr id="4" name="Date Placeholder 3">
             <a:extLst>
               <a:ext uri="{FF2B5EF4-FFF2-40B4-BE49-F238E27FC236}">
-                <a16:creationId xmlns="" xmlns:a16="http://schemas.microsoft.com/office/drawing/2014/main" id="{42C3EDA7-FA60-40B8-ADDE-1F6F783220F9}"/>
+                <a16:creationId xmlns:a16="http://schemas.microsoft.com/office/drawing/2014/main" xmlns="" id="{42C3EDA7-FA60-40B8-ADDE-1F6F783220F9}"/>
               </a:ext>
             </a:extLst>
           </p:cNvPr>
@@ -869,7 +869,7 @@
           <a:p>
             <a:fld id="{BE1ABA91-C1B6-466C-BA10-D0EAD2010A28}" type="datetimeFigureOut">
               <a:rPr lang="en-IN" smtClean="0"/>
-              <a:t>05-07-2020</a:t>
+              <a:t>01-08-2020</a:t>
             </a:fld>
             <a:endParaRPr lang="en-IN"/>
           </a:p>
@@ -880,7 +880,7 @@
           <p:cNvPr id="5" name="Footer Placeholder 4">
             <a:extLst>
               <a:ext uri="{FF2B5EF4-FFF2-40B4-BE49-F238E27FC236}">
-                <a16:creationId xmlns="" xmlns:a16="http://schemas.microsoft.com/office/drawing/2014/main" id="{C2626F4B-AA52-4B34-9A07-697FB67B91F9}"/>
+                <a16:creationId xmlns:a16="http://schemas.microsoft.com/office/drawing/2014/main" xmlns="" id="{C2626F4B-AA52-4B34-9A07-697FB67B91F9}"/>
               </a:ext>
             </a:extLst>
           </p:cNvPr>
@@ -905,7 +905,7 @@
           <p:cNvPr id="6" name="Slide Number Placeholder 5">
             <a:extLst>
               <a:ext uri="{FF2B5EF4-FFF2-40B4-BE49-F238E27FC236}">
-                <a16:creationId xmlns="" xmlns:a16="http://schemas.microsoft.com/office/drawing/2014/main" id="{EAD4EED3-DD51-43E7-A964-6117ACEE0B4F}"/>
+                <a16:creationId xmlns:a16="http://schemas.microsoft.com/office/drawing/2014/main" xmlns="" id="{EAD4EED3-DD51-43E7-A964-6117ACEE0B4F}"/>
               </a:ext>
             </a:extLst>
           </p:cNvPr>
@@ -964,7 +964,7 @@
           <p:cNvPr id="2" name="Title 1">
             <a:extLst>
               <a:ext uri="{FF2B5EF4-FFF2-40B4-BE49-F238E27FC236}">
-                <a16:creationId xmlns="" xmlns:a16="http://schemas.microsoft.com/office/drawing/2014/main" id="{258024BE-2783-4A30-A50C-62B0F634C72C}"/>
+                <a16:creationId xmlns:a16="http://schemas.microsoft.com/office/drawing/2014/main" xmlns="" id="{258024BE-2783-4A30-A50C-62B0F634C72C}"/>
               </a:ext>
             </a:extLst>
           </p:cNvPr>
@@ -993,7 +993,7 @@
           <p:cNvPr id="3" name="Vertical Text Placeholder 2">
             <a:extLst>
               <a:ext uri="{FF2B5EF4-FFF2-40B4-BE49-F238E27FC236}">
-                <a16:creationId xmlns="" xmlns:a16="http://schemas.microsoft.com/office/drawing/2014/main" id="{46DDF1DC-F51C-4F7F-A037-DBE3F8D68EF8}"/>
+                <a16:creationId xmlns:a16="http://schemas.microsoft.com/office/drawing/2014/main" xmlns="" id="{46DDF1DC-F51C-4F7F-A037-DBE3F8D68EF8}"/>
               </a:ext>
             </a:extLst>
           </p:cNvPr>
@@ -1051,7 +1051,7 @@
           <p:cNvPr id="4" name="Date Placeholder 3">
             <a:extLst>
               <a:ext uri="{FF2B5EF4-FFF2-40B4-BE49-F238E27FC236}">
-                <a16:creationId xmlns="" xmlns:a16="http://schemas.microsoft.com/office/drawing/2014/main" id="{DF0F06B8-5414-4748-8B0A-E5AD6148C724}"/>
+                <a16:creationId xmlns:a16="http://schemas.microsoft.com/office/drawing/2014/main" xmlns="" id="{DF0F06B8-5414-4748-8B0A-E5AD6148C724}"/>
               </a:ext>
             </a:extLst>
           </p:cNvPr>
@@ -1069,7 +1069,7 @@
           <a:p>
             <a:fld id="{BE1ABA91-C1B6-466C-BA10-D0EAD2010A28}" type="datetimeFigureOut">
               <a:rPr lang="en-IN" smtClean="0"/>
-              <a:t>05-07-2020</a:t>
+              <a:t>01-08-2020</a:t>
             </a:fld>
             <a:endParaRPr lang="en-IN"/>
           </a:p>
@@ -1080,7 +1080,7 @@
           <p:cNvPr id="5" name="Footer Placeholder 4">
             <a:extLst>
               <a:ext uri="{FF2B5EF4-FFF2-40B4-BE49-F238E27FC236}">
-                <a16:creationId xmlns="" xmlns:a16="http://schemas.microsoft.com/office/drawing/2014/main" id="{446B4BB2-0FAA-48B2-8CDF-637354658921}"/>
+                <a16:creationId xmlns:a16="http://schemas.microsoft.com/office/drawing/2014/main" xmlns="" id="{446B4BB2-0FAA-48B2-8CDF-637354658921}"/>
               </a:ext>
             </a:extLst>
           </p:cNvPr>
@@ -1105,7 +1105,7 @@
           <p:cNvPr id="6" name="Slide Number Placeholder 5">
             <a:extLst>
               <a:ext uri="{FF2B5EF4-FFF2-40B4-BE49-F238E27FC236}">
-                <a16:creationId xmlns="" xmlns:a16="http://schemas.microsoft.com/office/drawing/2014/main" id="{02DAEC42-36CB-4DA6-BDF1-87CD683BAFB6}"/>
+                <a16:creationId xmlns:a16="http://schemas.microsoft.com/office/drawing/2014/main" xmlns="" id="{02DAEC42-36CB-4DA6-BDF1-87CD683BAFB6}"/>
               </a:ext>
             </a:extLst>
           </p:cNvPr>
@@ -1164,7 +1164,7 @@
           <p:cNvPr id="2" name="Vertical Title 1">
             <a:extLst>
               <a:ext uri="{FF2B5EF4-FFF2-40B4-BE49-F238E27FC236}">
-                <a16:creationId xmlns="" xmlns:a16="http://schemas.microsoft.com/office/drawing/2014/main" id="{6DD5B97A-0228-46C8-87F4-687E3922C0B0}"/>
+                <a16:creationId xmlns:a16="http://schemas.microsoft.com/office/drawing/2014/main" xmlns="" id="{6DD5B97A-0228-46C8-87F4-687E3922C0B0}"/>
               </a:ext>
             </a:extLst>
           </p:cNvPr>
@@ -1198,7 +1198,7 @@
           <p:cNvPr id="3" name="Vertical Text Placeholder 2">
             <a:extLst>
               <a:ext uri="{FF2B5EF4-FFF2-40B4-BE49-F238E27FC236}">
-                <a16:creationId xmlns="" xmlns:a16="http://schemas.microsoft.com/office/drawing/2014/main" id="{9596764E-3E71-444F-9676-DA7632703B34}"/>
+                <a16:creationId xmlns:a16="http://schemas.microsoft.com/office/drawing/2014/main" xmlns="" id="{9596764E-3E71-444F-9676-DA7632703B34}"/>
               </a:ext>
             </a:extLst>
           </p:cNvPr>
@@ -1261,7 +1261,7 @@
           <p:cNvPr id="4" name="Date Placeholder 3">
             <a:extLst>
               <a:ext uri="{FF2B5EF4-FFF2-40B4-BE49-F238E27FC236}">
-                <a16:creationId xmlns="" xmlns:a16="http://schemas.microsoft.com/office/drawing/2014/main" id="{2790E713-8068-42BE-B30A-4DCC826A782A}"/>
+                <a16:creationId xmlns:a16="http://schemas.microsoft.com/office/drawing/2014/main" xmlns="" id="{2790E713-8068-42BE-B30A-4DCC826A782A}"/>
               </a:ext>
             </a:extLst>
           </p:cNvPr>
@@ -1279,7 +1279,7 @@
           <a:p>
             <a:fld id="{BE1ABA91-C1B6-466C-BA10-D0EAD2010A28}" type="datetimeFigureOut">
               <a:rPr lang="en-IN" smtClean="0"/>
-              <a:t>05-07-2020</a:t>
+              <a:t>01-08-2020</a:t>
             </a:fld>
             <a:endParaRPr lang="en-IN"/>
           </a:p>
@@ -1290,7 +1290,7 @@
           <p:cNvPr id="5" name="Footer Placeholder 4">
             <a:extLst>
               <a:ext uri="{FF2B5EF4-FFF2-40B4-BE49-F238E27FC236}">
-                <a16:creationId xmlns="" xmlns:a16="http://schemas.microsoft.com/office/drawing/2014/main" id="{6C8F32E5-BECE-4A68-B7EA-11369D8ADABB}"/>
+                <a16:creationId xmlns:a16="http://schemas.microsoft.com/office/drawing/2014/main" xmlns="" id="{6C8F32E5-BECE-4A68-B7EA-11369D8ADABB}"/>
               </a:ext>
             </a:extLst>
           </p:cNvPr>
@@ -1315,7 +1315,7 @@
           <p:cNvPr id="6" name="Slide Number Placeholder 5">
             <a:extLst>
               <a:ext uri="{FF2B5EF4-FFF2-40B4-BE49-F238E27FC236}">
-                <a16:creationId xmlns="" xmlns:a16="http://schemas.microsoft.com/office/drawing/2014/main" id="{0F947783-93DA-4B4D-A95F-B56C51CD088B}"/>
+                <a16:creationId xmlns:a16="http://schemas.microsoft.com/office/drawing/2014/main" xmlns="" id="{0F947783-93DA-4B4D-A95F-B56C51CD088B}"/>
               </a:ext>
             </a:extLst>
           </p:cNvPr>
@@ -1374,7 +1374,7 @@
           <p:cNvPr id="2" name="Title 1">
             <a:extLst>
               <a:ext uri="{FF2B5EF4-FFF2-40B4-BE49-F238E27FC236}">
-                <a16:creationId xmlns="" xmlns:a16="http://schemas.microsoft.com/office/drawing/2014/main" id="{72065CD8-28AC-4354-8167-53F3DEBABA20}"/>
+                <a16:creationId xmlns:a16="http://schemas.microsoft.com/office/drawing/2014/main" xmlns="" id="{72065CD8-28AC-4354-8167-53F3DEBABA20}"/>
               </a:ext>
             </a:extLst>
           </p:cNvPr>
@@ -1403,7 +1403,7 @@
           <p:cNvPr id="3" name="Content Placeholder 2">
             <a:extLst>
               <a:ext uri="{FF2B5EF4-FFF2-40B4-BE49-F238E27FC236}">
-                <a16:creationId xmlns="" xmlns:a16="http://schemas.microsoft.com/office/drawing/2014/main" id="{279F8514-86FD-4CFD-B6DC-1470314D6D05}"/>
+                <a16:creationId xmlns:a16="http://schemas.microsoft.com/office/drawing/2014/main" xmlns="" id="{279F8514-86FD-4CFD-B6DC-1470314D6D05}"/>
               </a:ext>
             </a:extLst>
           </p:cNvPr>
@@ -1461,7 +1461,7 @@
           <p:cNvPr id="4" name="Date Placeholder 3">
             <a:extLst>
               <a:ext uri="{FF2B5EF4-FFF2-40B4-BE49-F238E27FC236}">
-                <a16:creationId xmlns="" xmlns:a16="http://schemas.microsoft.com/office/drawing/2014/main" id="{374E7C50-8353-4022-A321-E145D15200B9}"/>
+                <a16:creationId xmlns:a16="http://schemas.microsoft.com/office/drawing/2014/main" xmlns="" id="{374E7C50-8353-4022-A321-E145D15200B9}"/>
               </a:ext>
             </a:extLst>
           </p:cNvPr>
@@ -1479,7 +1479,7 @@
           <a:p>
             <a:fld id="{BE1ABA91-C1B6-466C-BA10-D0EAD2010A28}" type="datetimeFigureOut">
               <a:rPr lang="en-IN" smtClean="0"/>
-              <a:t>05-07-2020</a:t>
+              <a:t>01-08-2020</a:t>
             </a:fld>
             <a:endParaRPr lang="en-IN"/>
           </a:p>
@@ -1490,7 +1490,7 @@
           <p:cNvPr id="5" name="Footer Placeholder 4">
             <a:extLst>
               <a:ext uri="{FF2B5EF4-FFF2-40B4-BE49-F238E27FC236}">
-                <a16:creationId xmlns="" xmlns:a16="http://schemas.microsoft.com/office/drawing/2014/main" id="{4A828668-BCC7-4966-9352-608FEC11D994}"/>
+                <a16:creationId xmlns:a16="http://schemas.microsoft.com/office/drawing/2014/main" xmlns="" id="{4A828668-BCC7-4966-9352-608FEC11D994}"/>
               </a:ext>
             </a:extLst>
           </p:cNvPr>
@@ -1515,7 +1515,7 @@
           <p:cNvPr id="6" name="Slide Number Placeholder 5">
             <a:extLst>
               <a:ext uri="{FF2B5EF4-FFF2-40B4-BE49-F238E27FC236}">
-                <a16:creationId xmlns="" xmlns:a16="http://schemas.microsoft.com/office/drawing/2014/main" id="{4C2CB5BD-85EE-411A-B9F9-0BA9BD16F28B}"/>
+                <a16:creationId xmlns:a16="http://schemas.microsoft.com/office/drawing/2014/main" xmlns="" id="{4C2CB5BD-85EE-411A-B9F9-0BA9BD16F28B}"/>
               </a:ext>
             </a:extLst>
           </p:cNvPr>
@@ -1574,7 +1574,7 @@
           <p:cNvPr id="2" name="Title 1">
             <a:extLst>
               <a:ext uri="{FF2B5EF4-FFF2-40B4-BE49-F238E27FC236}">
-                <a16:creationId xmlns="" xmlns:a16="http://schemas.microsoft.com/office/drawing/2014/main" id="{BDAA9E48-CC8E-4543-8C85-08405AD12BDD}"/>
+                <a16:creationId xmlns:a16="http://schemas.microsoft.com/office/drawing/2014/main" xmlns="" id="{BDAA9E48-CC8E-4543-8C85-08405AD12BDD}"/>
               </a:ext>
             </a:extLst>
           </p:cNvPr>
@@ -1612,7 +1612,7 @@
           <p:cNvPr id="3" name="Text Placeholder 2">
             <a:extLst>
               <a:ext uri="{FF2B5EF4-FFF2-40B4-BE49-F238E27FC236}">
-                <a16:creationId xmlns="" xmlns:a16="http://schemas.microsoft.com/office/drawing/2014/main" id="{1DE43303-B18C-42DC-ABDB-BE8BE5E0296F}"/>
+                <a16:creationId xmlns:a16="http://schemas.microsoft.com/office/drawing/2014/main" xmlns="" id="{1DE43303-B18C-42DC-ABDB-BE8BE5E0296F}"/>
               </a:ext>
             </a:extLst>
           </p:cNvPr>
@@ -1737,7 +1737,7 @@
           <p:cNvPr id="4" name="Date Placeholder 3">
             <a:extLst>
               <a:ext uri="{FF2B5EF4-FFF2-40B4-BE49-F238E27FC236}">
-                <a16:creationId xmlns="" xmlns:a16="http://schemas.microsoft.com/office/drawing/2014/main" id="{86422CE0-48F4-49E8-995A-65BD5EE4755E}"/>
+                <a16:creationId xmlns:a16="http://schemas.microsoft.com/office/drawing/2014/main" xmlns="" id="{86422CE0-48F4-49E8-995A-65BD5EE4755E}"/>
               </a:ext>
             </a:extLst>
           </p:cNvPr>
@@ -1755,7 +1755,7 @@
           <a:p>
             <a:fld id="{BE1ABA91-C1B6-466C-BA10-D0EAD2010A28}" type="datetimeFigureOut">
               <a:rPr lang="en-IN" smtClean="0"/>
-              <a:t>05-07-2020</a:t>
+              <a:t>01-08-2020</a:t>
             </a:fld>
             <a:endParaRPr lang="en-IN"/>
           </a:p>
@@ -1766,7 +1766,7 @@
           <p:cNvPr id="5" name="Footer Placeholder 4">
             <a:extLst>
               <a:ext uri="{FF2B5EF4-FFF2-40B4-BE49-F238E27FC236}">
-                <a16:creationId xmlns="" xmlns:a16="http://schemas.microsoft.com/office/drawing/2014/main" id="{967497CB-89D1-4767-A15F-A619716A5101}"/>
+                <a16:creationId xmlns:a16="http://schemas.microsoft.com/office/drawing/2014/main" xmlns="" id="{967497CB-89D1-4767-A15F-A619716A5101}"/>
               </a:ext>
             </a:extLst>
           </p:cNvPr>
@@ -1791,7 +1791,7 @@
           <p:cNvPr id="6" name="Slide Number Placeholder 5">
             <a:extLst>
               <a:ext uri="{FF2B5EF4-FFF2-40B4-BE49-F238E27FC236}">
-                <a16:creationId xmlns="" xmlns:a16="http://schemas.microsoft.com/office/drawing/2014/main" id="{45FDE11A-4118-455D-8833-907E9BF81811}"/>
+                <a16:creationId xmlns:a16="http://schemas.microsoft.com/office/drawing/2014/main" xmlns="" id="{45FDE11A-4118-455D-8833-907E9BF81811}"/>
               </a:ext>
             </a:extLst>
           </p:cNvPr>
@@ -1850,7 +1850,7 @@
           <p:cNvPr id="2" name="Title 1">
             <a:extLst>
               <a:ext uri="{FF2B5EF4-FFF2-40B4-BE49-F238E27FC236}">
-                <a16:creationId xmlns="" xmlns:a16="http://schemas.microsoft.com/office/drawing/2014/main" id="{D27D1376-6D29-4162-8C8B-D9E80B145226}"/>
+                <a16:creationId xmlns:a16="http://schemas.microsoft.com/office/drawing/2014/main" xmlns="" id="{D27D1376-6D29-4162-8C8B-D9E80B145226}"/>
               </a:ext>
             </a:extLst>
           </p:cNvPr>
@@ -1879,7 +1879,7 @@
           <p:cNvPr id="3" name="Content Placeholder 2">
             <a:extLst>
               <a:ext uri="{FF2B5EF4-FFF2-40B4-BE49-F238E27FC236}">
-                <a16:creationId xmlns="" xmlns:a16="http://schemas.microsoft.com/office/drawing/2014/main" id="{BCC98D77-23DF-4656-A12E-760E2CB70AB6}"/>
+                <a16:creationId xmlns:a16="http://schemas.microsoft.com/office/drawing/2014/main" xmlns="" id="{BCC98D77-23DF-4656-A12E-760E2CB70AB6}"/>
               </a:ext>
             </a:extLst>
           </p:cNvPr>
@@ -1942,7 +1942,7 @@
           <p:cNvPr id="4" name="Content Placeholder 3">
             <a:extLst>
               <a:ext uri="{FF2B5EF4-FFF2-40B4-BE49-F238E27FC236}">
-                <a16:creationId xmlns="" xmlns:a16="http://schemas.microsoft.com/office/drawing/2014/main" id="{36E49C56-0DBE-4A83-9185-110C0D54C1EA}"/>
+                <a16:creationId xmlns:a16="http://schemas.microsoft.com/office/drawing/2014/main" xmlns="" id="{36E49C56-0DBE-4A83-9185-110C0D54C1EA}"/>
               </a:ext>
             </a:extLst>
           </p:cNvPr>
@@ -2005,7 +2005,7 @@
           <p:cNvPr id="5" name="Date Placeholder 4">
             <a:extLst>
               <a:ext uri="{FF2B5EF4-FFF2-40B4-BE49-F238E27FC236}">
-                <a16:creationId xmlns="" xmlns:a16="http://schemas.microsoft.com/office/drawing/2014/main" id="{021E59C0-09D1-4F0B-9C32-31B300505B2E}"/>
+                <a16:creationId xmlns:a16="http://schemas.microsoft.com/office/drawing/2014/main" xmlns="" id="{021E59C0-09D1-4F0B-9C32-31B300505B2E}"/>
               </a:ext>
             </a:extLst>
           </p:cNvPr>
@@ -2023,7 +2023,7 @@
           <a:p>
             <a:fld id="{BE1ABA91-C1B6-466C-BA10-D0EAD2010A28}" type="datetimeFigureOut">
               <a:rPr lang="en-IN" smtClean="0"/>
-              <a:t>05-07-2020</a:t>
+              <a:t>01-08-2020</a:t>
             </a:fld>
             <a:endParaRPr lang="en-IN"/>
           </a:p>
@@ -2034,7 +2034,7 @@
           <p:cNvPr id="6" name="Footer Placeholder 5">
             <a:extLst>
               <a:ext uri="{FF2B5EF4-FFF2-40B4-BE49-F238E27FC236}">
-                <a16:creationId xmlns="" xmlns:a16="http://schemas.microsoft.com/office/drawing/2014/main" id="{5AF86EE2-DB13-4D11-B215-14BA4EF4E3B3}"/>
+                <a16:creationId xmlns:a16="http://schemas.microsoft.com/office/drawing/2014/main" xmlns="" id="{5AF86EE2-DB13-4D11-B215-14BA4EF4E3B3}"/>
               </a:ext>
             </a:extLst>
           </p:cNvPr>
@@ -2059,7 +2059,7 @@
           <p:cNvPr id="7" name="Slide Number Placeholder 6">
             <a:extLst>
               <a:ext uri="{FF2B5EF4-FFF2-40B4-BE49-F238E27FC236}">
-                <a16:creationId xmlns="" xmlns:a16="http://schemas.microsoft.com/office/drawing/2014/main" id="{C03D5933-FD67-4711-AB13-DF9D52E71EA0}"/>
+                <a16:creationId xmlns:a16="http://schemas.microsoft.com/office/drawing/2014/main" xmlns="" id="{C03D5933-FD67-4711-AB13-DF9D52E71EA0}"/>
               </a:ext>
             </a:extLst>
           </p:cNvPr>
@@ -2118,7 +2118,7 @@
           <p:cNvPr id="2" name="Title 1">
             <a:extLst>
               <a:ext uri="{FF2B5EF4-FFF2-40B4-BE49-F238E27FC236}">
-                <a16:creationId xmlns="" xmlns:a16="http://schemas.microsoft.com/office/drawing/2014/main" id="{5BE5CF35-22D1-4984-9E8F-E9B4F1C99A28}"/>
+                <a16:creationId xmlns:a16="http://schemas.microsoft.com/office/drawing/2014/main" xmlns="" id="{5BE5CF35-22D1-4984-9E8F-E9B4F1C99A28}"/>
               </a:ext>
             </a:extLst>
           </p:cNvPr>
@@ -2152,7 +2152,7 @@
           <p:cNvPr id="3" name="Text Placeholder 2">
             <a:extLst>
               <a:ext uri="{FF2B5EF4-FFF2-40B4-BE49-F238E27FC236}">
-                <a16:creationId xmlns="" xmlns:a16="http://schemas.microsoft.com/office/drawing/2014/main" id="{AFD2A48D-1C4B-4117-B5B6-268D2A4306AF}"/>
+                <a16:creationId xmlns:a16="http://schemas.microsoft.com/office/drawing/2014/main" xmlns="" id="{AFD2A48D-1C4B-4117-B5B6-268D2A4306AF}"/>
               </a:ext>
             </a:extLst>
           </p:cNvPr>
@@ -2223,7 +2223,7 @@
           <p:cNvPr id="4" name="Content Placeholder 3">
             <a:extLst>
               <a:ext uri="{FF2B5EF4-FFF2-40B4-BE49-F238E27FC236}">
-                <a16:creationId xmlns="" xmlns:a16="http://schemas.microsoft.com/office/drawing/2014/main" id="{54D3AB57-1EA3-45AA-8A07-9356DB49C3BC}"/>
+                <a16:creationId xmlns:a16="http://schemas.microsoft.com/office/drawing/2014/main" xmlns="" id="{54D3AB57-1EA3-45AA-8A07-9356DB49C3BC}"/>
               </a:ext>
             </a:extLst>
           </p:cNvPr>
@@ -2286,7 +2286,7 @@
           <p:cNvPr id="5" name="Text Placeholder 4">
             <a:extLst>
               <a:ext uri="{FF2B5EF4-FFF2-40B4-BE49-F238E27FC236}">
-                <a16:creationId xmlns="" xmlns:a16="http://schemas.microsoft.com/office/drawing/2014/main" id="{4557C29A-49EB-4DBF-949F-B275E7BA9810}"/>
+                <a16:creationId xmlns:a16="http://schemas.microsoft.com/office/drawing/2014/main" xmlns="" id="{4557C29A-49EB-4DBF-949F-B275E7BA9810}"/>
               </a:ext>
             </a:extLst>
           </p:cNvPr>
@@ -2357,7 +2357,7 @@
           <p:cNvPr id="6" name="Content Placeholder 5">
             <a:extLst>
               <a:ext uri="{FF2B5EF4-FFF2-40B4-BE49-F238E27FC236}">
-                <a16:creationId xmlns="" xmlns:a16="http://schemas.microsoft.com/office/drawing/2014/main" id="{1A9DE468-B004-43A1-85EC-7FE8EB9D3253}"/>
+                <a16:creationId xmlns:a16="http://schemas.microsoft.com/office/drawing/2014/main" xmlns="" id="{1A9DE468-B004-43A1-85EC-7FE8EB9D3253}"/>
               </a:ext>
             </a:extLst>
           </p:cNvPr>
@@ -2420,7 +2420,7 @@
           <p:cNvPr id="7" name="Date Placeholder 6">
             <a:extLst>
               <a:ext uri="{FF2B5EF4-FFF2-40B4-BE49-F238E27FC236}">
-                <a16:creationId xmlns="" xmlns:a16="http://schemas.microsoft.com/office/drawing/2014/main" id="{01883B35-AD67-42D7-B112-A3033C999975}"/>
+                <a16:creationId xmlns:a16="http://schemas.microsoft.com/office/drawing/2014/main" xmlns="" id="{01883B35-AD67-42D7-B112-A3033C999975}"/>
               </a:ext>
             </a:extLst>
           </p:cNvPr>
@@ -2438,7 +2438,7 @@
           <a:p>
             <a:fld id="{BE1ABA91-C1B6-466C-BA10-D0EAD2010A28}" type="datetimeFigureOut">
               <a:rPr lang="en-IN" smtClean="0"/>
-              <a:t>05-07-2020</a:t>
+              <a:t>01-08-2020</a:t>
             </a:fld>
             <a:endParaRPr lang="en-IN"/>
           </a:p>
@@ -2449,7 +2449,7 @@
           <p:cNvPr id="8" name="Footer Placeholder 7">
             <a:extLst>
               <a:ext uri="{FF2B5EF4-FFF2-40B4-BE49-F238E27FC236}">
-                <a16:creationId xmlns="" xmlns:a16="http://schemas.microsoft.com/office/drawing/2014/main" id="{307BBD8A-3401-44B9-81F9-64F4C2291253}"/>
+                <a16:creationId xmlns:a16="http://schemas.microsoft.com/office/drawing/2014/main" xmlns="" id="{307BBD8A-3401-44B9-81F9-64F4C2291253}"/>
               </a:ext>
             </a:extLst>
           </p:cNvPr>
@@ -2474,7 +2474,7 @@
           <p:cNvPr id="9" name="Slide Number Placeholder 8">
             <a:extLst>
               <a:ext uri="{FF2B5EF4-FFF2-40B4-BE49-F238E27FC236}">
-                <a16:creationId xmlns="" xmlns:a16="http://schemas.microsoft.com/office/drawing/2014/main" id="{CECB4B40-9D61-425A-9FAB-98737956052B}"/>
+                <a16:creationId xmlns:a16="http://schemas.microsoft.com/office/drawing/2014/main" xmlns="" id="{CECB4B40-9D61-425A-9FAB-98737956052B}"/>
               </a:ext>
             </a:extLst>
           </p:cNvPr>
@@ -2533,7 +2533,7 @@
           <p:cNvPr id="2" name="Title 1">
             <a:extLst>
               <a:ext uri="{FF2B5EF4-FFF2-40B4-BE49-F238E27FC236}">
-                <a16:creationId xmlns="" xmlns:a16="http://schemas.microsoft.com/office/drawing/2014/main" id="{8CB783A9-7F52-4B5E-B079-E141139782FA}"/>
+                <a16:creationId xmlns:a16="http://schemas.microsoft.com/office/drawing/2014/main" xmlns="" id="{8CB783A9-7F52-4B5E-B079-E141139782FA}"/>
               </a:ext>
             </a:extLst>
           </p:cNvPr>
@@ -2562,7 +2562,7 @@
           <p:cNvPr id="3" name="Date Placeholder 2">
             <a:extLst>
               <a:ext uri="{FF2B5EF4-FFF2-40B4-BE49-F238E27FC236}">
-                <a16:creationId xmlns="" xmlns:a16="http://schemas.microsoft.com/office/drawing/2014/main" id="{CC8EAB26-DEE9-4A9B-AFAA-28123A52D273}"/>
+                <a16:creationId xmlns:a16="http://schemas.microsoft.com/office/drawing/2014/main" xmlns="" id="{CC8EAB26-DEE9-4A9B-AFAA-28123A52D273}"/>
               </a:ext>
             </a:extLst>
           </p:cNvPr>
@@ -2580,7 +2580,7 @@
           <a:p>
             <a:fld id="{BE1ABA91-C1B6-466C-BA10-D0EAD2010A28}" type="datetimeFigureOut">
               <a:rPr lang="en-IN" smtClean="0"/>
-              <a:t>05-07-2020</a:t>
+              <a:t>01-08-2020</a:t>
             </a:fld>
             <a:endParaRPr lang="en-IN"/>
           </a:p>
@@ -2591,7 +2591,7 @@
           <p:cNvPr id="4" name="Footer Placeholder 3">
             <a:extLst>
               <a:ext uri="{FF2B5EF4-FFF2-40B4-BE49-F238E27FC236}">
-                <a16:creationId xmlns="" xmlns:a16="http://schemas.microsoft.com/office/drawing/2014/main" id="{2205D946-EA04-47E0-B363-0EE969051DBB}"/>
+                <a16:creationId xmlns:a16="http://schemas.microsoft.com/office/drawing/2014/main" xmlns="" id="{2205D946-EA04-47E0-B363-0EE969051DBB}"/>
               </a:ext>
             </a:extLst>
           </p:cNvPr>
@@ -2616,7 +2616,7 @@
           <p:cNvPr id="5" name="Slide Number Placeholder 4">
             <a:extLst>
               <a:ext uri="{FF2B5EF4-FFF2-40B4-BE49-F238E27FC236}">
-                <a16:creationId xmlns="" xmlns:a16="http://schemas.microsoft.com/office/drawing/2014/main" id="{BC58B128-83DA-4A60-B6D7-81E0162C7607}"/>
+                <a16:creationId xmlns:a16="http://schemas.microsoft.com/office/drawing/2014/main" xmlns="" id="{BC58B128-83DA-4A60-B6D7-81E0162C7607}"/>
               </a:ext>
             </a:extLst>
           </p:cNvPr>
@@ -2675,7 +2675,7 @@
           <p:cNvPr id="2" name="Date Placeholder 1">
             <a:extLst>
               <a:ext uri="{FF2B5EF4-FFF2-40B4-BE49-F238E27FC236}">
-                <a16:creationId xmlns="" xmlns:a16="http://schemas.microsoft.com/office/drawing/2014/main" id="{9335DF7A-236D-495A-ABBF-B7C9684C7C29}"/>
+                <a16:creationId xmlns:a16="http://schemas.microsoft.com/office/drawing/2014/main" xmlns="" id="{9335DF7A-236D-495A-ABBF-B7C9684C7C29}"/>
               </a:ext>
             </a:extLst>
           </p:cNvPr>
@@ -2693,7 +2693,7 @@
           <a:p>
             <a:fld id="{BE1ABA91-C1B6-466C-BA10-D0EAD2010A28}" type="datetimeFigureOut">
               <a:rPr lang="en-IN" smtClean="0"/>
-              <a:t>05-07-2020</a:t>
+              <a:t>01-08-2020</a:t>
             </a:fld>
             <a:endParaRPr lang="en-IN"/>
           </a:p>
@@ -2704,7 +2704,7 @@
           <p:cNvPr id="3" name="Footer Placeholder 2">
             <a:extLst>
               <a:ext uri="{FF2B5EF4-FFF2-40B4-BE49-F238E27FC236}">
-                <a16:creationId xmlns="" xmlns:a16="http://schemas.microsoft.com/office/drawing/2014/main" id="{A37EB263-0C1A-4DF6-AE1D-316E4D0C7692}"/>
+                <a16:creationId xmlns:a16="http://schemas.microsoft.com/office/drawing/2014/main" xmlns="" id="{A37EB263-0C1A-4DF6-AE1D-316E4D0C7692}"/>
               </a:ext>
             </a:extLst>
           </p:cNvPr>
@@ -2729,7 +2729,7 @@
           <p:cNvPr id="4" name="Slide Number Placeholder 3">
             <a:extLst>
               <a:ext uri="{FF2B5EF4-FFF2-40B4-BE49-F238E27FC236}">
-                <a16:creationId xmlns="" xmlns:a16="http://schemas.microsoft.com/office/drawing/2014/main" id="{FEB28810-2F57-4260-A422-AFC7E31BD1B8}"/>
+                <a16:creationId xmlns:a16="http://schemas.microsoft.com/office/drawing/2014/main" xmlns="" id="{FEB28810-2F57-4260-A422-AFC7E31BD1B8}"/>
               </a:ext>
             </a:extLst>
           </p:cNvPr>
@@ -2788,7 +2788,7 @@
           <p:cNvPr id="2" name="Title 1">
             <a:extLst>
               <a:ext uri="{FF2B5EF4-FFF2-40B4-BE49-F238E27FC236}">
-                <a16:creationId xmlns="" xmlns:a16="http://schemas.microsoft.com/office/drawing/2014/main" id="{1F5E543B-FEA1-48D0-988B-9D74FFCBFF9F}"/>
+                <a16:creationId xmlns:a16="http://schemas.microsoft.com/office/drawing/2014/main" xmlns="" id="{1F5E543B-FEA1-48D0-988B-9D74FFCBFF9F}"/>
               </a:ext>
             </a:extLst>
           </p:cNvPr>
@@ -2826,7 +2826,7 @@
           <p:cNvPr id="3" name="Content Placeholder 2">
             <a:extLst>
               <a:ext uri="{FF2B5EF4-FFF2-40B4-BE49-F238E27FC236}">
-                <a16:creationId xmlns="" xmlns:a16="http://schemas.microsoft.com/office/drawing/2014/main" id="{95F399D0-0783-4145-8455-92392F7118B9}"/>
+                <a16:creationId xmlns:a16="http://schemas.microsoft.com/office/drawing/2014/main" xmlns="" id="{95F399D0-0783-4145-8455-92392F7118B9}"/>
               </a:ext>
             </a:extLst>
           </p:cNvPr>
@@ -2917,7 +2917,7 @@
           <p:cNvPr id="4" name="Text Placeholder 3">
             <a:extLst>
               <a:ext uri="{FF2B5EF4-FFF2-40B4-BE49-F238E27FC236}">
-                <a16:creationId xmlns="" xmlns:a16="http://schemas.microsoft.com/office/drawing/2014/main" id="{24A34A1F-0BCE-4523-8913-D6D617C27CB9}"/>
+                <a16:creationId xmlns:a16="http://schemas.microsoft.com/office/drawing/2014/main" xmlns="" id="{24A34A1F-0BCE-4523-8913-D6D617C27CB9}"/>
               </a:ext>
             </a:extLst>
           </p:cNvPr>
@@ -2988,7 +2988,7 @@
           <p:cNvPr id="5" name="Date Placeholder 4">
             <a:extLst>
               <a:ext uri="{FF2B5EF4-FFF2-40B4-BE49-F238E27FC236}">
-                <a16:creationId xmlns="" xmlns:a16="http://schemas.microsoft.com/office/drawing/2014/main" id="{00A30515-46E2-4A82-AD10-FBC67CF379ED}"/>
+                <a16:creationId xmlns:a16="http://schemas.microsoft.com/office/drawing/2014/main" xmlns="" id="{00A30515-46E2-4A82-AD10-FBC67CF379ED}"/>
               </a:ext>
             </a:extLst>
           </p:cNvPr>
@@ -3006,7 +3006,7 @@
           <a:p>
             <a:fld id="{BE1ABA91-C1B6-466C-BA10-D0EAD2010A28}" type="datetimeFigureOut">
               <a:rPr lang="en-IN" smtClean="0"/>
-              <a:t>05-07-2020</a:t>
+              <a:t>01-08-2020</a:t>
             </a:fld>
             <a:endParaRPr lang="en-IN"/>
           </a:p>
@@ -3017,7 +3017,7 @@
           <p:cNvPr id="6" name="Footer Placeholder 5">
             <a:extLst>
               <a:ext uri="{FF2B5EF4-FFF2-40B4-BE49-F238E27FC236}">
-                <a16:creationId xmlns="" xmlns:a16="http://schemas.microsoft.com/office/drawing/2014/main" id="{24749419-B337-42DE-BD18-691EA7641255}"/>
+                <a16:creationId xmlns:a16="http://schemas.microsoft.com/office/drawing/2014/main" xmlns="" id="{24749419-B337-42DE-BD18-691EA7641255}"/>
               </a:ext>
             </a:extLst>
           </p:cNvPr>
@@ -3042,7 +3042,7 @@
           <p:cNvPr id="7" name="Slide Number Placeholder 6">
             <a:extLst>
               <a:ext uri="{FF2B5EF4-FFF2-40B4-BE49-F238E27FC236}">
-                <a16:creationId xmlns="" xmlns:a16="http://schemas.microsoft.com/office/drawing/2014/main" id="{029E94DB-A493-4698-8193-ADD9188A3F8E}"/>
+                <a16:creationId xmlns:a16="http://schemas.microsoft.com/office/drawing/2014/main" xmlns="" id="{029E94DB-A493-4698-8193-ADD9188A3F8E}"/>
               </a:ext>
             </a:extLst>
           </p:cNvPr>
@@ -3101,7 +3101,7 @@
           <p:cNvPr id="2" name="Title 1">
             <a:extLst>
               <a:ext uri="{FF2B5EF4-FFF2-40B4-BE49-F238E27FC236}">
-                <a16:creationId xmlns="" xmlns:a16="http://schemas.microsoft.com/office/drawing/2014/main" id="{2C106934-B4CC-44BE-B146-3CB3C711C63F}"/>
+                <a16:creationId xmlns:a16="http://schemas.microsoft.com/office/drawing/2014/main" xmlns="" id="{2C106934-B4CC-44BE-B146-3CB3C711C63F}"/>
               </a:ext>
             </a:extLst>
           </p:cNvPr>
@@ -3139,7 +3139,7 @@
           <p:cNvPr id="3" name="Picture Placeholder 2">
             <a:extLst>
               <a:ext uri="{FF2B5EF4-FFF2-40B4-BE49-F238E27FC236}">
-                <a16:creationId xmlns="" xmlns:a16="http://schemas.microsoft.com/office/drawing/2014/main" id="{925388D9-D88F-42FE-AA75-A6CA256348DC}"/>
+                <a16:creationId xmlns:a16="http://schemas.microsoft.com/office/drawing/2014/main" xmlns="" id="{925388D9-D88F-42FE-AA75-A6CA256348DC}"/>
               </a:ext>
             </a:extLst>
           </p:cNvPr>
@@ -3206,7 +3206,7 @@
           <p:cNvPr id="4" name="Text Placeholder 3">
             <a:extLst>
               <a:ext uri="{FF2B5EF4-FFF2-40B4-BE49-F238E27FC236}">
-                <a16:creationId xmlns="" xmlns:a16="http://schemas.microsoft.com/office/drawing/2014/main" id="{ED27AACC-55C1-4114-BA00-ED3D2CF9A845}"/>
+                <a16:creationId xmlns:a16="http://schemas.microsoft.com/office/drawing/2014/main" xmlns="" id="{ED27AACC-55C1-4114-BA00-ED3D2CF9A845}"/>
               </a:ext>
             </a:extLst>
           </p:cNvPr>
@@ -3277,7 +3277,7 @@
           <p:cNvPr id="5" name="Date Placeholder 4">
             <a:extLst>
               <a:ext uri="{FF2B5EF4-FFF2-40B4-BE49-F238E27FC236}">
-                <a16:creationId xmlns="" xmlns:a16="http://schemas.microsoft.com/office/drawing/2014/main" id="{50D9083A-AFC1-43C2-9494-07A68A64EA2F}"/>
+                <a16:creationId xmlns:a16="http://schemas.microsoft.com/office/drawing/2014/main" xmlns="" id="{50D9083A-AFC1-43C2-9494-07A68A64EA2F}"/>
               </a:ext>
             </a:extLst>
           </p:cNvPr>
@@ -3295,7 +3295,7 @@
           <a:p>
             <a:fld id="{BE1ABA91-C1B6-466C-BA10-D0EAD2010A28}" type="datetimeFigureOut">
               <a:rPr lang="en-IN" smtClean="0"/>
-              <a:t>05-07-2020</a:t>
+              <a:t>01-08-2020</a:t>
             </a:fld>
             <a:endParaRPr lang="en-IN"/>
           </a:p>
@@ -3306,7 +3306,7 @@
           <p:cNvPr id="6" name="Footer Placeholder 5">
             <a:extLst>
               <a:ext uri="{FF2B5EF4-FFF2-40B4-BE49-F238E27FC236}">
-                <a16:creationId xmlns="" xmlns:a16="http://schemas.microsoft.com/office/drawing/2014/main" id="{9D94B623-9A7B-4789-90CB-F4EEC6370390}"/>
+                <a16:creationId xmlns:a16="http://schemas.microsoft.com/office/drawing/2014/main" xmlns="" id="{9D94B623-9A7B-4789-90CB-F4EEC6370390}"/>
               </a:ext>
             </a:extLst>
           </p:cNvPr>
@@ -3331,7 +3331,7 @@
           <p:cNvPr id="7" name="Slide Number Placeholder 6">
             <a:extLst>
               <a:ext uri="{FF2B5EF4-FFF2-40B4-BE49-F238E27FC236}">
-                <a16:creationId xmlns="" xmlns:a16="http://schemas.microsoft.com/office/drawing/2014/main" id="{0506DE6E-798B-41ED-8C6E-DAF82C87E5F4}"/>
+                <a16:creationId xmlns:a16="http://schemas.microsoft.com/office/drawing/2014/main" xmlns="" id="{0506DE6E-798B-41ED-8C6E-DAF82C87E5F4}"/>
               </a:ext>
             </a:extLst>
           </p:cNvPr>
@@ -3395,7 +3395,7 @@
           <p:cNvPr id="2" name="Title Placeholder 1">
             <a:extLst>
               <a:ext uri="{FF2B5EF4-FFF2-40B4-BE49-F238E27FC236}">
-                <a16:creationId xmlns="" xmlns:a16="http://schemas.microsoft.com/office/drawing/2014/main" id="{138B7F82-D5F1-4AFA-BB11-192C794E0B4D}"/>
+                <a16:creationId xmlns:a16="http://schemas.microsoft.com/office/drawing/2014/main" xmlns="" id="{138B7F82-D5F1-4AFA-BB11-192C794E0B4D}"/>
               </a:ext>
             </a:extLst>
           </p:cNvPr>
@@ -3434,7 +3434,7 @@
           <p:cNvPr id="3" name="Text Placeholder 2">
             <a:extLst>
               <a:ext uri="{FF2B5EF4-FFF2-40B4-BE49-F238E27FC236}">
-                <a16:creationId xmlns="" xmlns:a16="http://schemas.microsoft.com/office/drawing/2014/main" id="{2F3EED24-1E78-4E9B-93A5-3D3AA109CAB8}"/>
+                <a16:creationId xmlns:a16="http://schemas.microsoft.com/office/drawing/2014/main" xmlns="" id="{2F3EED24-1E78-4E9B-93A5-3D3AA109CAB8}"/>
               </a:ext>
             </a:extLst>
           </p:cNvPr>
@@ -3502,7 +3502,7 @@
           <p:cNvPr id="4" name="Date Placeholder 3">
             <a:extLst>
               <a:ext uri="{FF2B5EF4-FFF2-40B4-BE49-F238E27FC236}">
-                <a16:creationId xmlns="" xmlns:a16="http://schemas.microsoft.com/office/drawing/2014/main" id="{E9E844B0-AE51-45E7-ABB1-86778FC41438}"/>
+                <a16:creationId xmlns:a16="http://schemas.microsoft.com/office/drawing/2014/main" xmlns="" id="{E9E844B0-AE51-45E7-ABB1-86778FC41438}"/>
               </a:ext>
             </a:extLst>
           </p:cNvPr>
@@ -3538,7 +3538,7 @@
           <a:p>
             <a:fld id="{BE1ABA91-C1B6-466C-BA10-D0EAD2010A28}" type="datetimeFigureOut">
               <a:rPr lang="en-IN" smtClean="0"/>
-              <a:t>05-07-2020</a:t>
+              <a:t>01-08-2020</a:t>
             </a:fld>
             <a:endParaRPr lang="en-IN"/>
           </a:p>
@@ -3549,7 +3549,7 @@
           <p:cNvPr id="5" name="Footer Placeholder 4">
             <a:extLst>
               <a:ext uri="{FF2B5EF4-FFF2-40B4-BE49-F238E27FC236}">
-                <a16:creationId xmlns="" xmlns:a16="http://schemas.microsoft.com/office/drawing/2014/main" id="{F01E435F-59CB-4071-B34D-A5E01093EBEB}"/>
+                <a16:creationId xmlns:a16="http://schemas.microsoft.com/office/drawing/2014/main" xmlns="" id="{F01E435F-59CB-4071-B34D-A5E01093EBEB}"/>
               </a:ext>
             </a:extLst>
           </p:cNvPr>
@@ -3592,7 +3592,7 @@
           <p:cNvPr id="6" name="Slide Number Placeholder 5">
             <a:extLst>
               <a:ext uri="{FF2B5EF4-FFF2-40B4-BE49-F238E27FC236}">
-                <a16:creationId xmlns="" xmlns:a16="http://schemas.microsoft.com/office/drawing/2014/main" id="{D5EDBEB0-F6C5-46FE-8C90-63A5E5B80F7F}"/>
+                <a16:creationId xmlns:a16="http://schemas.microsoft.com/office/drawing/2014/main" xmlns="" id="{D5EDBEB0-F6C5-46FE-8C90-63A5E5B80F7F}"/>
               </a:ext>
             </a:extLst>
           </p:cNvPr>
@@ -3960,7 +3960,7 @@
           <p:cNvPr id="4" name="Rectangle: Rounded Corners 3">
             <a:extLst>
               <a:ext uri="{FF2B5EF4-FFF2-40B4-BE49-F238E27FC236}">
-                <a16:creationId xmlns:a16="http://schemas.microsoft.com/office/drawing/2014/main" xmlns="" id="{EF32E8AF-9380-4664-B1A8-8FDD16384245}"/>
+                <a16:creationId xmlns="" xmlns:a16="http://schemas.microsoft.com/office/drawing/2014/main" id="{EF32E8AF-9380-4664-B1A8-8FDD16384245}"/>
               </a:ext>
             </a:extLst>
           </p:cNvPr>
@@ -4055,12 +4055,6 @@
               </a:rPr>
               <a:t>										  </a:t>
             </a:r>
-            <a:endParaRPr lang="en-US" sz="2400" b="1" dirty="0" smtClean="0">
-              <a:solidFill>
-                <a:schemeClr val="tx1"/>
-              </a:solidFill>
-              <a:latin typeface="Bell MT" pitchFamily="18" charset="0"/>
-            </a:endParaRPr>
           </a:p>
           <a:p>
             <a:pPr algn="r"/>
@@ -4082,12 +4076,6 @@
               </a:rPr>
               <a:t>NarendraP</a:t>
             </a:r>
-            <a:endParaRPr lang="en-US" sz="2400" b="1" dirty="0" smtClean="0">
-              <a:solidFill>
-                <a:schemeClr val="tx1"/>
-              </a:solidFill>
-              <a:latin typeface="Bell MT" pitchFamily="18" charset="0"/>
-            </a:endParaRPr>
           </a:p>
         </p:txBody>
       </p:sp>
@@ -4096,7 +4084,7 @@
           <p:cNvPr id="13" name="TextBox 12">
             <a:extLst>
               <a:ext uri="{FF2B5EF4-FFF2-40B4-BE49-F238E27FC236}">
-                <a16:creationId xmlns="" xmlns:a16="http://schemas.microsoft.com/office/drawing/2014/main" id="{D11C6DEC-D04E-4D85-B7B2-A4296C78BC94}"/>
+                <a16:creationId xmlns:a16="http://schemas.microsoft.com/office/drawing/2014/main" xmlns="" id="{D11C6DEC-D04E-4D85-B7B2-A4296C78BC94}"/>
               </a:ext>
             </a:extLst>
           </p:cNvPr>
@@ -4349,7 +4337,7 @@
           <p:cNvPr id="4" name="Rectangle: Rounded Corners 3">
             <a:extLst>
               <a:ext uri="{FF2B5EF4-FFF2-40B4-BE49-F238E27FC236}">
-                <a16:creationId xmlns="" xmlns:a16="http://schemas.microsoft.com/office/drawing/2014/main" id="{EF32E8AF-9380-4664-B1A8-8FDD16384245}"/>
+                <a16:creationId xmlns:a16="http://schemas.microsoft.com/office/drawing/2014/main" xmlns="" id="{EF32E8AF-9380-4664-B1A8-8FDD16384245}"/>
               </a:ext>
             </a:extLst>
           </p:cNvPr>
@@ -4402,7 +4390,7 @@
         <p:spPr>
           <a:xfrm>
             <a:off x="193964" y="1366504"/>
-            <a:ext cx="11998035" cy="2616101"/>
+            <a:ext cx="11998035" cy="4708981"/>
           </a:xfrm>
           <a:prstGeom prst="rect">
             <a:avLst/>
@@ -4426,7 +4414,16 @@
                 </a:solidFill>
                 <a:latin typeface="Bell MT" pitchFamily="18" charset="0"/>
               </a:rPr>
-              <a:t>StackStorm Installation and Configuration</a:t>
+              <a:t>StackStorm Installation and </a:t>
+            </a:r>
+            <a:r>
+              <a:rPr lang="en-US" sz="2300" b="1" dirty="0" smtClean="0">
+                <a:solidFill>
+                  <a:schemeClr val="dk1"/>
+                </a:solidFill>
+                <a:latin typeface="Bell MT" pitchFamily="18" charset="0"/>
+              </a:rPr>
+              <a:t>Configuration.</a:t>
             </a:r>
           </a:p>
           <a:p>
@@ -4435,96 +4432,207 @@
               <a:buChar char="Ø"/>
             </a:pPr>
             <a:r>
-              <a:rPr lang="en-IN" sz="2300" b="1" dirty="0" smtClean="0">
+              <a:rPr lang="en-US" sz="2300" b="1" dirty="0" smtClean="0">
                 <a:solidFill>
                   <a:schemeClr val="dk1"/>
                 </a:solidFill>
                 <a:latin typeface="Bell MT" pitchFamily="18" charset="0"/>
               </a:rPr>
-              <a:t>Login into StackStorm using Web UI and CLI</a:t>
-            </a:r>
-          </a:p>
-          <a:p>
-            <a:pPr marL="457200" indent="-457200">
-              <a:buFont typeface="Wingdings" panose="05000000000000000000" pitchFamily="2" charset="2"/>
-              <a:buChar char="Ø"/>
-            </a:pPr>
-            <a:r>
-              <a:rPr lang="en-IN" sz="2300" b="1" dirty="0" smtClean="0">
-                <a:solidFill>
-                  <a:schemeClr val="dk1"/>
-                </a:solidFill>
-                <a:latin typeface="Bell MT" pitchFamily="18" charset="0"/>
-              </a:rPr>
-              <a:t>Introduction packs</a:t>
-            </a:r>
-          </a:p>
-          <a:p>
-            <a:pPr marL="457200" indent="-457200">
-              <a:buFont typeface="Wingdings" panose="05000000000000000000" pitchFamily="2" charset="2"/>
-              <a:buChar char="Ø"/>
-            </a:pPr>
-            <a:r>
-              <a:rPr lang="en-IN" sz="2300" b="1" dirty="0" smtClean="0">
-                <a:solidFill>
-                  <a:schemeClr val="dk1"/>
-                </a:solidFill>
-                <a:latin typeface="Bell MT" pitchFamily="18" charset="0"/>
-              </a:rPr>
-              <a:t>Different ways to execute actions of Default Packs </a:t>
-            </a:r>
-          </a:p>
-          <a:p>
-            <a:pPr marL="1371600" lvl="2" indent="-457200">
-              <a:buFont typeface="Wingdings" panose="05000000000000000000" pitchFamily="2" charset="2"/>
-              <a:buChar char="Ø"/>
-            </a:pPr>
-            <a:r>
-              <a:rPr lang="en-IN" sz="2400" b="1" dirty="0" smtClean="0">
-                <a:solidFill>
-                  <a:schemeClr val="dk1"/>
-                </a:solidFill>
-                <a:latin typeface="Bell MT" pitchFamily="18" charset="0"/>
-              </a:rPr>
-              <a:t>From Web UI</a:t>
-            </a:r>
-          </a:p>
-          <a:p>
-            <a:pPr marL="1371600" lvl="2" indent="-457200">
-              <a:buFont typeface="Wingdings" panose="05000000000000000000" pitchFamily="2" charset="2"/>
-              <a:buChar char="Ø"/>
-            </a:pPr>
-            <a:r>
-              <a:rPr lang="en-IN" sz="2400" b="1" dirty="0" smtClean="0">
-                <a:solidFill>
-                  <a:schemeClr val="dk1"/>
-                </a:solidFill>
-                <a:latin typeface="Bell MT" pitchFamily="18" charset="0"/>
-              </a:rPr>
-              <a:t>From StackStorm CLI</a:t>
-            </a:r>
-          </a:p>
-          <a:p>
-            <a:pPr marL="1371600" lvl="2" indent="-457200">
-              <a:buFont typeface="Wingdings" panose="05000000000000000000" pitchFamily="2" charset="2"/>
-              <a:buChar char="Ø"/>
-            </a:pPr>
-            <a:r>
-              <a:rPr lang="en-IN" sz="2400" b="1" dirty="0" smtClean="0">
-                <a:solidFill>
-                  <a:schemeClr val="dk1"/>
-                </a:solidFill>
-                <a:latin typeface="Bell MT" pitchFamily="18" charset="0"/>
-              </a:rPr>
-              <a:t>With REST APIs</a:t>
-            </a:r>
-            <a:endParaRPr lang="en-IN" sz="2300" b="1" dirty="0">
+              <a:t>Environment setup.</a:t>
+            </a:r>
+            <a:endParaRPr lang="en-US" sz="2300" b="1" dirty="0" smtClean="0">
               <a:solidFill>
                 <a:schemeClr val="dk1"/>
               </a:solidFill>
               <a:latin typeface="Bell MT" pitchFamily="18" charset="0"/>
             </a:endParaRPr>
           </a:p>
+          <a:p>
+            <a:pPr marL="457200" indent="-457200">
+              <a:buFont typeface="Wingdings" panose="05000000000000000000" pitchFamily="2" charset="2"/>
+              <a:buChar char="Ø"/>
+            </a:pPr>
+            <a:r>
+              <a:rPr lang="en-IN" sz="2300" b="1" dirty="0" smtClean="0">
+                <a:solidFill>
+                  <a:schemeClr val="dk1"/>
+                </a:solidFill>
+                <a:latin typeface="Bell MT" pitchFamily="18" charset="0"/>
+              </a:rPr>
+              <a:t>Login into StackStorm using Web UI and CLI</a:t>
+            </a:r>
+          </a:p>
+          <a:p>
+            <a:pPr marL="457200" indent="-457200">
+              <a:buFont typeface="Wingdings" panose="05000000000000000000" pitchFamily="2" charset="2"/>
+              <a:buChar char="Ø"/>
+            </a:pPr>
+            <a:r>
+              <a:rPr lang="en-IN" sz="2300" b="1" dirty="0" smtClean="0">
+                <a:solidFill>
+                  <a:schemeClr val="dk1"/>
+                </a:solidFill>
+                <a:latin typeface="Bell MT" pitchFamily="18" charset="0"/>
+              </a:rPr>
+              <a:t>Work with default packs, from WebUI, CLI and also using REST API.</a:t>
+            </a:r>
+          </a:p>
+          <a:p>
+            <a:pPr marL="457200" indent="-457200">
+              <a:buFont typeface="Wingdings" panose="05000000000000000000" pitchFamily="2" charset="2"/>
+              <a:buChar char="Ø"/>
+            </a:pPr>
+            <a:r>
+              <a:rPr lang="en-US" sz="2300" b="1" dirty="0" smtClean="0">
+                <a:solidFill>
+                  <a:schemeClr val="dk1"/>
+                </a:solidFill>
+                <a:latin typeface="Bell MT" pitchFamily="18" charset="0"/>
+              </a:rPr>
+              <a:t>API’s keys and token codes</a:t>
+            </a:r>
+            <a:endParaRPr lang="en-IN" sz="2300" b="1" dirty="0" smtClean="0">
+              <a:solidFill>
+                <a:schemeClr val="dk1"/>
+              </a:solidFill>
+              <a:latin typeface="Bell MT" pitchFamily="18" charset="0"/>
+            </a:endParaRPr>
+          </a:p>
+          <a:p>
+            <a:pPr marL="457200" indent="-457200">
+              <a:buFont typeface="Wingdings" panose="05000000000000000000" pitchFamily="2" charset="2"/>
+              <a:buChar char="Ø"/>
+            </a:pPr>
+            <a:r>
+              <a:rPr lang="en-US" sz="2300" b="1" dirty="0" smtClean="0">
+                <a:solidFill>
+                  <a:schemeClr val="dk1"/>
+                </a:solidFill>
+                <a:latin typeface="Bell MT" pitchFamily="18" charset="0"/>
+              </a:rPr>
+              <a:t>Implementing Custom packs</a:t>
+            </a:r>
+          </a:p>
+          <a:p>
+            <a:pPr marL="1371600" lvl="2" indent="-457200">
+              <a:buFont typeface="Wingdings" panose="05000000000000000000" pitchFamily="2" charset="2"/>
+              <a:buChar char="Ø"/>
+            </a:pPr>
+            <a:r>
+              <a:rPr lang="en-US" sz="2300" b="1" dirty="0" smtClean="0">
+                <a:solidFill>
+                  <a:schemeClr val="dk1"/>
+                </a:solidFill>
+                <a:latin typeface="Bell MT" pitchFamily="18" charset="0"/>
+              </a:rPr>
+              <a:t>Packs consist of actions, workflows, rules, sensors etc…</a:t>
+            </a:r>
+          </a:p>
+          <a:p>
+            <a:pPr marL="457200" indent="-457200">
+              <a:buFont typeface="Wingdings" panose="05000000000000000000" pitchFamily="2" charset="2"/>
+              <a:buChar char="Ø"/>
+            </a:pPr>
+            <a:r>
+              <a:rPr lang="en-US" sz="2300" b="1" dirty="0" smtClean="0">
+                <a:solidFill>
+                  <a:schemeClr val="dk1"/>
+                </a:solidFill>
+                <a:latin typeface="Bell MT" pitchFamily="18" charset="0"/>
+              </a:rPr>
+              <a:t>YAML, Jinja, Shell</a:t>
+            </a:r>
+            <a:r>
+              <a:rPr lang="en-US" sz="2300" b="1" smtClean="0">
+                <a:solidFill>
+                  <a:schemeClr val="dk1"/>
+                </a:solidFill>
+                <a:latin typeface="Bell MT" pitchFamily="18" charset="0"/>
+              </a:rPr>
+              <a:t>, Python </a:t>
+            </a:r>
+            <a:r>
+              <a:rPr lang="en-US" sz="2300" b="1" dirty="0" smtClean="0">
+                <a:solidFill>
+                  <a:schemeClr val="dk1"/>
+                </a:solidFill>
+                <a:latin typeface="Bell MT" pitchFamily="18" charset="0"/>
+              </a:rPr>
+              <a:t>and YQAL Languages.</a:t>
+            </a:r>
+          </a:p>
+          <a:p>
+            <a:pPr marL="457200" indent="-457200">
+              <a:buFont typeface="Wingdings" panose="05000000000000000000" pitchFamily="2" charset="2"/>
+              <a:buChar char="Ø"/>
+            </a:pPr>
+            <a:r>
+              <a:rPr lang="en-US" sz="2300" b="1" dirty="0" smtClean="0">
+                <a:solidFill>
+                  <a:schemeClr val="dk1"/>
+                </a:solidFill>
+                <a:latin typeface="Bell MT" pitchFamily="18" charset="0"/>
+              </a:rPr>
+              <a:t>Webhooks</a:t>
+            </a:r>
+          </a:p>
+          <a:p>
+            <a:pPr marL="457200" indent="-457200">
+              <a:buFont typeface="Wingdings" panose="05000000000000000000" pitchFamily="2" charset="2"/>
+              <a:buChar char="Ø"/>
+            </a:pPr>
+            <a:r>
+              <a:rPr lang="en-US" sz="2300" b="1" dirty="0" smtClean="0">
+                <a:solidFill>
+                  <a:schemeClr val="dk1"/>
+                </a:solidFill>
+                <a:latin typeface="Bell MT" pitchFamily="18" charset="0"/>
+              </a:rPr>
+              <a:t>DataStore</a:t>
+            </a:r>
+          </a:p>
+          <a:p>
+            <a:pPr marL="457200" indent="-457200">
+              <a:buFont typeface="Wingdings" panose="05000000000000000000" pitchFamily="2" charset="2"/>
+              <a:buChar char="Ø"/>
+            </a:pPr>
+            <a:r>
+              <a:rPr lang="en-US" sz="2400" b="1" dirty="0">
+                <a:solidFill>
+                  <a:schemeClr val="dk1"/>
+                </a:solidFill>
+                <a:latin typeface="Bell MT" pitchFamily="18" charset="0"/>
+              </a:rPr>
+              <a:t>StackStorm ChatOps</a:t>
+            </a:r>
+          </a:p>
+          <a:p>
+            <a:pPr marL="457200" indent="-457200">
+              <a:buFont typeface="Wingdings" panose="05000000000000000000" pitchFamily="2" charset="2"/>
+              <a:buChar char="Ø"/>
+            </a:pPr>
+            <a:r>
+              <a:rPr lang="en-US" sz="2300" b="1" dirty="0" smtClean="0">
+                <a:solidFill>
+                  <a:schemeClr val="dk1"/>
+                </a:solidFill>
+                <a:latin typeface="Bell MT" pitchFamily="18" charset="0"/>
+              </a:rPr>
+              <a:t>Practice on Each Concept.</a:t>
+            </a:r>
+          </a:p>
+          <a:p>
+            <a:pPr marL="457200" indent="-457200">
+              <a:buFont typeface="Wingdings" panose="05000000000000000000" pitchFamily="2" charset="2"/>
+              <a:buChar char="Ø"/>
+            </a:pPr>
+            <a:endParaRPr lang="en-IN" sz="2300" b="1" dirty="0" smtClean="0">
+              <a:solidFill>
+                <a:schemeClr val="dk1"/>
+              </a:solidFill>
+              <a:latin typeface="Bell MT" pitchFamily="18" charset="0"/>
+            </a:endParaRPr>
+          </a:p>
         </p:txBody>
       </p:sp>
       <p:sp>
@@ -4532,7 +4640,7 @@
           <p:cNvPr id="7" name="TextBox 6">
             <a:extLst>
               <a:ext uri="{FF2B5EF4-FFF2-40B4-BE49-F238E27FC236}">
-                <a16:creationId xmlns="" xmlns:a16="http://schemas.microsoft.com/office/drawing/2014/main" id="{D11C6DEC-D04E-4D85-B7B2-A4296C78BC94}"/>
+                <a16:creationId xmlns:a16="http://schemas.microsoft.com/office/drawing/2014/main" xmlns="" id="{D11C6DEC-D04E-4D85-B7B2-A4296C78BC94}"/>
               </a:ext>
             </a:extLst>
           </p:cNvPr>
@@ -4963,6 +5071,251 @@
                       </p:childTnLst>
                     </p:cTn>
                   </p:par>
+                  <p:par>
+                    <p:cTn id="31" fill="hold">
+                      <p:stCondLst>
+                        <p:cond delay="indefinite"/>
+                      </p:stCondLst>
+                      <p:childTnLst>
+                        <p:par>
+                          <p:cTn id="32" fill="hold">
+                            <p:stCondLst>
+                              <p:cond delay="0"/>
+                            </p:stCondLst>
+                            <p:childTnLst>
+                              <p:par>
+                                <p:cTn id="33" presetID="1" presetClass="entr" presetSubtype="0" fill="hold" nodeType="clickEffect">
+                                  <p:stCondLst>
+                                    <p:cond delay="0"/>
+                                  </p:stCondLst>
+                                  <p:childTnLst>
+                                    <p:set>
+                                      <p:cBhvr>
+                                        <p:cTn id="34" dur="1" fill="hold">
+                                          <p:stCondLst>
+                                            <p:cond delay="0"/>
+                                          </p:stCondLst>
+                                        </p:cTn>
+                                        <p:tgtEl>
+                                          <p:spTgt spid="6">
+                                            <p:txEl>
+                                              <p:pRg st="7" end="7"/>
+                                            </p:txEl>
+                                          </p:spTgt>
+                                        </p:tgtEl>
+                                        <p:attrNameLst>
+                                          <p:attrName>style.visibility</p:attrName>
+                                        </p:attrNameLst>
+                                      </p:cBhvr>
+                                      <p:to>
+                                        <p:strVal val="visible"/>
+                                      </p:to>
+                                    </p:set>
+                                  </p:childTnLst>
+                                </p:cTn>
+                              </p:par>
+                            </p:childTnLst>
+                          </p:cTn>
+                        </p:par>
+                      </p:childTnLst>
+                    </p:cTn>
+                  </p:par>
+                  <p:par>
+                    <p:cTn id="35" fill="hold">
+                      <p:stCondLst>
+                        <p:cond delay="indefinite"/>
+                      </p:stCondLst>
+                      <p:childTnLst>
+                        <p:par>
+                          <p:cTn id="36" fill="hold">
+                            <p:stCondLst>
+                              <p:cond delay="0"/>
+                            </p:stCondLst>
+                            <p:childTnLst>
+                              <p:par>
+                                <p:cTn id="37" presetID="1" presetClass="entr" presetSubtype="0" fill="hold" nodeType="clickEffect">
+                                  <p:stCondLst>
+                                    <p:cond delay="0"/>
+                                  </p:stCondLst>
+                                  <p:childTnLst>
+                                    <p:set>
+                                      <p:cBhvr>
+                                        <p:cTn id="38" dur="1" fill="hold">
+                                          <p:stCondLst>
+                                            <p:cond delay="0"/>
+                                          </p:stCondLst>
+                                        </p:cTn>
+                                        <p:tgtEl>
+                                          <p:spTgt spid="6">
+                                            <p:txEl>
+                                              <p:pRg st="8" end="8"/>
+                                            </p:txEl>
+                                          </p:spTgt>
+                                        </p:tgtEl>
+                                        <p:attrNameLst>
+                                          <p:attrName>style.visibility</p:attrName>
+                                        </p:attrNameLst>
+                                      </p:cBhvr>
+                                      <p:to>
+                                        <p:strVal val="visible"/>
+                                      </p:to>
+                                    </p:set>
+                                  </p:childTnLst>
+                                </p:cTn>
+                              </p:par>
+                            </p:childTnLst>
+                          </p:cTn>
+                        </p:par>
+                      </p:childTnLst>
+                    </p:cTn>
+                  </p:par>
+                  <p:par>
+                    <p:cTn id="39" fill="hold">
+                      <p:stCondLst>
+                        <p:cond delay="indefinite"/>
+                      </p:stCondLst>
+                      <p:childTnLst>
+                        <p:par>
+                          <p:cTn id="40" fill="hold">
+                            <p:stCondLst>
+                              <p:cond delay="0"/>
+                            </p:stCondLst>
+                            <p:childTnLst>
+                              <p:par>
+                                <p:cTn id="41" presetID="1" presetClass="entr" presetSubtype="0" fill="hold" nodeType="clickEffect">
+                                  <p:stCondLst>
+                                    <p:cond delay="0"/>
+                                  </p:stCondLst>
+                                  <p:childTnLst>
+                                    <p:set>
+                                      <p:cBhvr>
+                                        <p:cTn id="42" dur="1" fill="hold">
+                                          <p:stCondLst>
+                                            <p:cond delay="0"/>
+                                          </p:stCondLst>
+                                        </p:cTn>
+                                        <p:tgtEl>
+                                          <p:spTgt spid="6">
+                                            <p:txEl>
+                                              <p:pRg st="9" end="9"/>
+                                            </p:txEl>
+                                          </p:spTgt>
+                                        </p:tgtEl>
+                                        <p:attrNameLst>
+                                          <p:attrName>style.visibility</p:attrName>
+                                        </p:attrNameLst>
+                                      </p:cBhvr>
+                                      <p:to>
+                                        <p:strVal val="visible"/>
+                                      </p:to>
+                                    </p:set>
+                                  </p:childTnLst>
+                                </p:cTn>
+                              </p:par>
+                            </p:childTnLst>
+                          </p:cTn>
+                        </p:par>
+                      </p:childTnLst>
+                    </p:cTn>
+                  </p:par>
+                  <p:par>
+                    <p:cTn id="43" fill="hold">
+                      <p:stCondLst>
+                        <p:cond delay="indefinite"/>
+                      </p:stCondLst>
+                      <p:childTnLst>
+                        <p:par>
+                          <p:cTn id="44" fill="hold">
+                            <p:stCondLst>
+                              <p:cond delay="0"/>
+                            </p:stCondLst>
+                            <p:childTnLst>
+                              <p:par>
+                                <p:cTn id="45" presetID="1" presetClass="entr" presetSubtype="0" fill="hold" nodeType="clickEffect">
+                                  <p:stCondLst>
+                                    <p:cond delay="0"/>
+                                  </p:stCondLst>
+                                  <p:childTnLst>
+                                    <p:set>
+                                      <p:cBhvr>
+                                        <p:cTn id="46" dur="1" fill="hold">
+                                          <p:stCondLst>
+                                            <p:cond delay="0"/>
+                                          </p:stCondLst>
+                                        </p:cTn>
+                                        <p:tgtEl>
+                                          <p:spTgt spid="6">
+                                            <p:txEl>
+                                              <p:pRg st="10" end="10"/>
+                                            </p:txEl>
+                                          </p:spTgt>
+                                        </p:tgtEl>
+                                        <p:attrNameLst>
+                                          <p:attrName>style.visibility</p:attrName>
+                                        </p:attrNameLst>
+                                      </p:cBhvr>
+                                      <p:to>
+                                        <p:strVal val="visible"/>
+                                      </p:to>
+                                    </p:set>
+                                  </p:childTnLst>
+                                </p:cTn>
+                              </p:par>
+                            </p:childTnLst>
+                          </p:cTn>
+                        </p:par>
+                      </p:childTnLst>
+                    </p:cTn>
+                  </p:par>
+                  <p:par>
+                    <p:cTn id="47" fill="hold">
+                      <p:stCondLst>
+                        <p:cond delay="indefinite"/>
+                      </p:stCondLst>
+                      <p:childTnLst>
+                        <p:par>
+                          <p:cTn id="48" fill="hold">
+                            <p:stCondLst>
+                              <p:cond delay="0"/>
+                            </p:stCondLst>
+                            <p:childTnLst>
+                              <p:par>
+                                <p:cTn id="49" presetID="1" presetClass="entr" presetSubtype="0" fill="hold" nodeType="clickEffect">
+                                  <p:stCondLst>
+                                    <p:cond delay="0"/>
+                                  </p:stCondLst>
+                                  <p:childTnLst>
+                                    <p:set>
+                                      <p:cBhvr>
+                                        <p:cTn id="50" dur="1" fill="hold">
+                                          <p:stCondLst>
+                                            <p:cond delay="0"/>
+                                          </p:stCondLst>
+                                        </p:cTn>
+                                        <p:tgtEl>
+                                          <p:spTgt spid="6">
+                                            <p:txEl>
+                                              <p:pRg st="11" end="11"/>
+                                            </p:txEl>
+                                          </p:spTgt>
+                                        </p:tgtEl>
+                                        <p:attrNameLst>
+                                          <p:attrName>style.visibility</p:attrName>
+                                        </p:attrNameLst>
+                                      </p:cBhvr>
+                                      <p:to>
+                                        <p:strVal val="visible"/>
+                                      </p:to>
+                                    </p:set>
+                                  </p:childTnLst>
+                                </p:cTn>
+                              </p:par>
+                            </p:childTnLst>
+                          </p:cTn>
+                        </p:par>
+                      </p:childTnLst>
+                    </p:cTn>
+                  </p:par>
                 </p:childTnLst>
               </p:cTn>
               <p:prevCondLst>
@@ -5007,10 +5360,113 @@
       </p:grpSpPr>
       <p:sp>
         <p:nvSpPr>
+          <p:cNvPr id="2" name="TextBox 1">
+            <a:extLst>
+              <a:ext uri="{FF2B5EF4-FFF2-40B4-BE49-F238E27FC236}">
+                <a16:creationId xmlns:a16="http://schemas.microsoft.com/office/drawing/2014/main" xmlns="" id="{D11C6DEC-D04E-4D85-B7B2-A4296C78BC94}"/>
+              </a:ext>
+            </a:extLst>
+          </p:cNvPr>
+          <p:cNvSpPr txBox="1"/>
+          <p:nvPr/>
+        </p:nvSpPr>
+        <p:spPr>
+          <a:xfrm>
+            <a:off x="0" y="2945421"/>
+            <a:ext cx="12192000" cy="769441"/>
+          </a:xfrm>
+          <a:prstGeom prst="rect">
+            <a:avLst/>
+          </a:prstGeom>
+        </p:spPr>
+        <p:style>
+          <a:lnRef idx="1">
+            <a:schemeClr val="accent3"/>
+          </a:lnRef>
+          <a:fillRef idx="2">
+            <a:schemeClr val="accent3"/>
+          </a:fillRef>
+          <a:effectRef idx="1">
+            <a:schemeClr val="accent3"/>
+          </a:effectRef>
+          <a:fontRef idx="minor">
+            <a:schemeClr val="dk1"/>
+          </a:fontRef>
+        </p:style>
+        <p:txBody>
+          <a:bodyPr wrap="square" rtlCol="0">
+            <a:spAutoFit/>
+          </a:bodyPr>
+          <a:lstStyle/>
+          <a:p>
+            <a:pPr algn="ctr"/>
+            <a:r>
+              <a:rPr lang="en-US" sz="4400" b="1" dirty="0">
+                <a:latin typeface="Bell MT" pitchFamily="18" charset="0"/>
+              </a:rPr>
+              <a:t>Thank</a:t>
+            </a:r>
+            <a:r>
+              <a:rPr lang="en-US" sz="4000" b="1" dirty="0"/>
+              <a:t> </a:t>
+            </a:r>
+            <a:r>
+              <a:rPr lang="en-US" sz="4400" b="1" dirty="0">
+                <a:latin typeface="Bell MT" pitchFamily="18" charset="0"/>
+              </a:rPr>
+              <a:t>you</a:t>
+            </a:r>
+            <a:r>
+              <a:rPr lang="en-US" sz="4000" b="1" dirty="0"/>
+              <a:t> </a:t>
+            </a:r>
+            <a:endParaRPr lang="en-IN" sz="4000" b="1" dirty="0"/>
+          </a:p>
+        </p:txBody>
+      </p:sp>
+    </p:spTree>
+    <p:extLst>
+      <p:ext uri="{BB962C8B-B14F-4D97-AF65-F5344CB8AC3E}">
+        <p14:creationId xmlns:p14="http://schemas.microsoft.com/office/powerpoint/2010/main" val="2011205578"/>
+      </p:ext>
+    </p:extLst>
+  </p:cSld>
+  <p:clrMapOvr>
+    <a:masterClrMapping/>
+  </p:clrMapOvr>
+  <p:timing>
+    <p:tnLst>
+      <p:par>
+        <p:cTn id="1" dur="indefinite" restart="never" nodeType="tmRoot"/>
+      </p:par>
+    </p:tnLst>
+  </p:timing>
+</p:sld>
+</file>
+
+<file path=ppt/slides/slide4.xml><?xml version="1.0" encoding="utf-8"?>
+<p:sld xmlns:a="http://schemas.openxmlformats.org/drawingml/2006/main" xmlns:r="http://schemas.openxmlformats.org/officeDocument/2006/relationships" xmlns:p="http://schemas.openxmlformats.org/presentationml/2006/main">
+  <p:cSld>
+    <p:spTree>
+      <p:nvGrpSpPr>
+        <p:cNvPr id="1" name=""/>
+        <p:cNvGrpSpPr/>
+        <p:nvPr/>
+      </p:nvGrpSpPr>
+      <p:grpSpPr>
+        <a:xfrm>
+          <a:off x="0" y="0"/>
+          <a:ext cx="0" cy="0"/>
+          <a:chOff x="0" y="0"/>
+          <a:chExt cx="0" cy="0"/>
+        </a:xfrm>
+      </p:grpSpPr>
+      <p:sp>
+        <p:nvSpPr>
           <p:cNvPr id="4" name="Rectangle: Rounded Corners 3">
             <a:extLst>
               <a:ext uri="{FF2B5EF4-FFF2-40B4-BE49-F238E27FC236}">
-                <a16:creationId xmlns="" xmlns:a16="http://schemas.microsoft.com/office/drawing/2014/main" id="{EF32E8AF-9380-4664-B1A8-8FDD16384245}"/>
+                <a16:creationId xmlns:a16="http://schemas.microsoft.com/office/drawing/2014/main" xmlns="" id="{EF32E8AF-9380-4664-B1A8-8FDD16384245}"/>
               </a:ext>
             </a:extLst>
           </p:cNvPr>
@@ -5119,7 +5575,25 @@
                 </a:solidFill>
                 <a:latin typeface="Bell MT" pitchFamily="18" charset="0"/>
               </a:rPr>
-              <a:t>, aliases, workflows, rules, </a:t>
+              <a:t>, </a:t>
+            </a:r>
+            <a:r>
+              <a:rPr lang="en-IN" sz="2000" b="1" dirty="0" smtClean="0">
+                <a:solidFill>
+                  <a:schemeClr val="dk1"/>
+                </a:solidFill>
+                <a:latin typeface="Bell MT" pitchFamily="18" charset="0"/>
+              </a:rPr>
+              <a:t>workflows</a:t>
+            </a:r>
+            <a:r>
+              <a:rPr lang="en-IN" sz="2000" b="1" dirty="0">
+                <a:solidFill>
+                  <a:schemeClr val="dk1"/>
+                </a:solidFill>
+                <a:latin typeface="Bell MT" pitchFamily="18" charset="0"/>
+              </a:rPr>
+              <a:t>, rules, </a:t>
             </a:r>
             <a:r>
               <a:rPr lang="en-IN" sz="2000" b="1" dirty="0" smtClean="0">
@@ -5131,168 +5605,13 @@
               <a:t>sensors </a:t>
             </a:r>
             <a:r>
-              <a:rPr lang="en-IN" sz="2000" b="1" dirty="0" err="1" smtClean="0">
+              <a:rPr lang="en-IN" sz="2000" b="1" dirty="0" smtClean="0">
                 <a:solidFill>
                   <a:schemeClr val="dk1"/>
                 </a:solidFill>
                 <a:latin typeface="Bell MT" pitchFamily="18" charset="0"/>
               </a:rPr>
-              <a:t>etc</a:t>
-            </a:r>
-            <a:r>
-              <a:rPr lang="en-IN" sz="2000" b="1" dirty="0">
-                <a:solidFill>
-                  <a:schemeClr val="dk1"/>
-                </a:solidFill>
-                <a:latin typeface="Bell MT" pitchFamily="18" charset="0"/>
-              </a:rPr>
-              <a:t>)</a:t>
-            </a:r>
-          </a:p>
-          <a:p>
-            <a:pPr lvl="1"/>
-            <a:r>
-              <a:rPr lang="en-IN" sz="2000" b="1" dirty="0" err="1">
-                <a:solidFill>
-                  <a:schemeClr val="dk1"/>
-                </a:solidFill>
-                <a:latin typeface="Bell MT" pitchFamily="18" charset="0"/>
-              </a:rPr>
-              <a:t>github</a:t>
-            </a:r>
-            <a:r>
-              <a:rPr lang="en-IN" sz="2000" b="1" dirty="0">
-                <a:solidFill>
-                  <a:schemeClr val="dk1"/>
-                </a:solidFill>
-                <a:latin typeface="Bell MT" pitchFamily="18" charset="0"/>
-              </a:rPr>
-              <a:t> repo</a:t>
-            </a:r>
-          </a:p>
-          <a:p>
-            <a:pPr lvl="1"/>
-            <a:r>
-              <a:rPr lang="en-IN" sz="2000" b="1" dirty="0">
-                <a:solidFill>
-                  <a:schemeClr val="dk1"/>
-                </a:solidFill>
-                <a:latin typeface="Bell MT" pitchFamily="18" charset="0"/>
-              </a:rPr>
-              <a:t>requirements.txt for python dependencies</a:t>
-            </a:r>
-          </a:p>
-          <a:p>
-            <a:r>
-              <a:rPr lang="en-IN" sz="2000" b="1" dirty="0">
-                <a:solidFill>
-                  <a:schemeClr val="dk1"/>
-                </a:solidFill>
-                <a:latin typeface="Bell MT" pitchFamily="18" charset="0"/>
-              </a:rPr>
-              <a:t>Webhooks</a:t>
-            </a:r>
-          </a:p>
-          <a:p>
-            <a:pPr lvl="1"/>
-            <a:r>
-              <a:rPr lang="en-IN" sz="2000" b="1" dirty="0">
-                <a:solidFill>
-                  <a:schemeClr val="dk1"/>
-                </a:solidFill>
-                <a:latin typeface="Bell MT" pitchFamily="18" charset="0"/>
-              </a:rPr>
-              <a:t>create a </a:t>
-            </a:r>
-            <a:r>
-              <a:rPr lang="en-IN" sz="2000" b="1" dirty="0" err="1">
-                <a:solidFill>
-                  <a:schemeClr val="dk1"/>
-                </a:solidFill>
-                <a:latin typeface="Bell MT" pitchFamily="18" charset="0"/>
-              </a:rPr>
-              <a:t>webhook</a:t>
-            </a:r>
-            <a:r>
-              <a:rPr lang="en-IN" sz="2000" b="1" dirty="0">
-                <a:solidFill>
-                  <a:schemeClr val="dk1"/>
-                </a:solidFill>
-                <a:latin typeface="Bell MT" pitchFamily="18" charset="0"/>
-              </a:rPr>
-              <a:t> rule</a:t>
-            </a:r>
-          </a:p>
-          <a:p>
-            <a:pPr lvl="1"/>
-            <a:r>
-              <a:rPr lang="en-IN" sz="2000" b="1" dirty="0">
-                <a:solidFill>
-                  <a:schemeClr val="dk1"/>
-                </a:solidFill>
-                <a:latin typeface="Bell MT" pitchFamily="18" charset="0"/>
-              </a:rPr>
-              <a:t>invoke the </a:t>
-            </a:r>
-            <a:r>
-              <a:rPr lang="en-IN" sz="2000" b="1" dirty="0" err="1">
-                <a:solidFill>
-                  <a:schemeClr val="dk1"/>
-                </a:solidFill>
-                <a:latin typeface="Bell MT" pitchFamily="18" charset="0"/>
-              </a:rPr>
-              <a:t>webhook</a:t>
-            </a:r>
-            <a:r>
-              <a:rPr lang="en-IN" sz="2000" b="1" dirty="0">
-                <a:solidFill>
-                  <a:schemeClr val="dk1"/>
-                </a:solidFill>
-                <a:latin typeface="Bell MT" pitchFamily="18" charset="0"/>
-              </a:rPr>
-              <a:t> via curl</a:t>
-            </a:r>
-          </a:p>
-          <a:p>
-            <a:pPr marL="0" lvl="1"/>
-            <a:r>
-              <a:rPr lang="en-IN" sz="2000" b="1" dirty="0" smtClean="0">
-                <a:solidFill>
-                  <a:schemeClr val="dk1"/>
-                </a:solidFill>
-                <a:latin typeface="Bell MT" pitchFamily="18" charset="0"/>
-              </a:rPr>
-              <a:t>Workflows </a:t>
-            </a:r>
-          </a:p>
-          <a:p>
-            <a:pPr marL="0" lvl="1"/>
-            <a:r>
-              <a:rPr lang="en-IN" sz="2000" b="1" dirty="0" smtClean="0">
-                <a:solidFill>
-                  <a:schemeClr val="dk1"/>
-                </a:solidFill>
-                <a:latin typeface="Bell MT" pitchFamily="18" charset="0"/>
-              </a:rPr>
-              <a:t>       Workflow with </a:t>
-            </a:r>
-            <a:r>
-              <a:rPr lang="en-IN" sz="2000" b="1" dirty="0" err="1" smtClean="0">
-                <a:solidFill>
-                  <a:schemeClr val="dk1"/>
-                </a:solidFill>
-                <a:latin typeface="Bell MT" pitchFamily="18" charset="0"/>
-              </a:rPr>
-              <a:t>Orquesta</a:t>
-            </a:r>
-            <a:r>
-              <a:rPr lang="en-IN" sz="2000" b="1" dirty="0" smtClean="0">
-                <a:solidFill>
-                  <a:schemeClr val="dk1"/>
-                </a:solidFill>
-                <a:latin typeface="Bell MT" pitchFamily="18" charset="0"/>
-              </a:rPr>
-              <a:t> </a:t>
+              <a:t>etc…</a:t>
             </a:r>
             <a:endParaRPr lang="en-IN" sz="2000" b="1" dirty="0">
               <a:solidFill>
@@ -5304,17 +5623,14 @@
           <a:p>
             <a:pPr lvl="1"/>
             <a:r>
-              <a:rPr lang="en-IN" sz="2000" b="1" dirty="0">
+              <a:rPr lang="en-IN" sz="2000" b="1" dirty="0" err="1">
                 <a:solidFill>
                   <a:schemeClr val="dk1"/>
                 </a:solidFill>
                 <a:latin typeface="Bell MT" pitchFamily="18" charset="0"/>
               </a:rPr>
-              <a:t>passing data between actions</a:t>
-            </a:r>
-          </a:p>
-          <a:p>
-            <a:pPr lvl="1"/>
+              <a:t>github</a:t>
+            </a:r>
             <a:r>
               <a:rPr lang="en-IN" sz="2000" b="1" dirty="0">
                 <a:solidFill>
@@ -5322,18 +5638,132 @@
                 </a:solidFill>
                 <a:latin typeface="Bell MT" pitchFamily="18" charset="0"/>
               </a:rPr>
-              <a:t>handling errors</a:t>
-            </a:r>
-          </a:p>
-          <a:p>
-            <a:r>
-              <a:rPr lang="en-IN" sz="2000" b="1" dirty="0" err="1">
+              <a:t> repo</a:t>
+            </a:r>
+          </a:p>
+          <a:p>
+            <a:pPr lvl="1"/>
+            <a:r>
+              <a:rPr lang="en-IN" sz="2000" b="1" dirty="0">
                 <a:solidFill>
                   <a:schemeClr val="dk1"/>
                 </a:solidFill>
                 <a:latin typeface="Bell MT" pitchFamily="18" charset="0"/>
               </a:rPr>
-              <a:t>Datastore</a:t>
+              <a:t>requirements.txt for python dependencies</a:t>
+            </a:r>
+          </a:p>
+          <a:p>
+            <a:r>
+              <a:rPr lang="en-IN" sz="2000" b="1" dirty="0">
+                <a:solidFill>
+                  <a:schemeClr val="dk1"/>
+                </a:solidFill>
+                <a:latin typeface="Bell MT" pitchFamily="18" charset="0"/>
+              </a:rPr>
+              <a:t>Webhooks</a:t>
+            </a:r>
+          </a:p>
+          <a:p>
+            <a:pPr lvl="1"/>
+            <a:r>
+              <a:rPr lang="en-IN" sz="2000" b="1" dirty="0">
+                <a:solidFill>
+                  <a:schemeClr val="dk1"/>
+                </a:solidFill>
+                <a:latin typeface="Bell MT" pitchFamily="18" charset="0"/>
+              </a:rPr>
+              <a:t>create a </a:t>
+            </a:r>
+            <a:r>
+              <a:rPr lang="en-IN" sz="2000" b="1" dirty="0" err="1">
+                <a:solidFill>
+                  <a:schemeClr val="dk1"/>
+                </a:solidFill>
+                <a:latin typeface="Bell MT" pitchFamily="18" charset="0"/>
+              </a:rPr>
+              <a:t>webhook</a:t>
+            </a:r>
+            <a:r>
+              <a:rPr lang="en-IN" sz="2000" b="1" dirty="0">
+                <a:solidFill>
+                  <a:schemeClr val="dk1"/>
+                </a:solidFill>
+                <a:latin typeface="Bell MT" pitchFamily="18" charset="0"/>
+              </a:rPr>
+              <a:t> rule</a:t>
+            </a:r>
+          </a:p>
+          <a:p>
+            <a:pPr lvl="1"/>
+            <a:r>
+              <a:rPr lang="en-IN" sz="2000" b="1" dirty="0">
+                <a:solidFill>
+                  <a:schemeClr val="dk1"/>
+                </a:solidFill>
+                <a:latin typeface="Bell MT" pitchFamily="18" charset="0"/>
+              </a:rPr>
+              <a:t>invoke the </a:t>
+            </a:r>
+            <a:r>
+              <a:rPr lang="en-IN" sz="2000" b="1" dirty="0" err="1">
+                <a:solidFill>
+                  <a:schemeClr val="dk1"/>
+                </a:solidFill>
+                <a:latin typeface="Bell MT" pitchFamily="18" charset="0"/>
+              </a:rPr>
+              <a:t>webhook</a:t>
+            </a:r>
+            <a:r>
+              <a:rPr lang="en-IN" sz="2000" b="1" dirty="0">
+                <a:solidFill>
+                  <a:schemeClr val="dk1"/>
+                </a:solidFill>
+                <a:latin typeface="Bell MT" pitchFamily="18" charset="0"/>
+              </a:rPr>
+              <a:t> via curl</a:t>
+            </a:r>
+          </a:p>
+          <a:p>
+            <a:pPr marL="0" lvl="1"/>
+            <a:r>
+              <a:rPr lang="en-IN" sz="2000" b="1" dirty="0" smtClean="0">
+                <a:solidFill>
+                  <a:schemeClr val="dk1"/>
+                </a:solidFill>
+                <a:latin typeface="Bell MT" pitchFamily="18" charset="0"/>
+              </a:rPr>
+              <a:t>Workflows </a:t>
+            </a:r>
+          </a:p>
+          <a:p>
+            <a:pPr marL="0" lvl="1"/>
+            <a:r>
+              <a:rPr lang="en-IN" sz="2000" b="1" dirty="0" smtClean="0">
+                <a:solidFill>
+                  <a:schemeClr val="dk1"/>
+                </a:solidFill>
+                <a:latin typeface="Bell MT" pitchFamily="18" charset="0"/>
+              </a:rPr>
+              <a:t>       Workflow with </a:t>
+            </a:r>
+            <a:r>
+              <a:rPr lang="en-IN" sz="2000" b="1" dirty="0" err="1" smtClean="0">
+                <a:solidFill>
+                  <a:schemeClr val="dk1"/>
+                </a:solidFill>
+                <a:latin typeface="Bell MT" pitchFamily="18" charset="0"/>
+              </a:rPr>
+              <a:t>Orquesta</a:t>
+            </a:r>
+            <a:r>
+              <a:rPr lang="en-IN" sz="2000" b="1" dirty="0" smtClean="0">
+                <a:solidFill>
+                  <a:schemeClr val="dk1"/>
+                </a:solidFill>
+                <a:latin typeface="Bell MT" pitchFamily="18" charset="0"/>
+              </a:rPr>
+              <a:t> </a:t>
             </a:r>
             <a:endParaRPr lang="en-IN" sz="2000" b="1" dirty="0">
               <a:solidFill>
@@ -5351,6 +5781,47 @@
                 </a:solidFill>
                 <a:latin typeface="Bell MT" pitchFamily="18" charset="0"/>
               </a:rPr>
+              <a:t>passing data between actions</a:t>
+            </a:r>
+          </a:p>
+          <a:p>
+            <a:pPr lvl="1"/>
+            <a:r>
+              <a:rPr lang="en-IN" sz="2000" b="1" dirty="0">
+                <a:solidFill>
+                  <a:schemeClr val="dk1"/>
+                </a:solidFill>
+                <a:latin typeface="Bell MT" pitchFamily="18" charset="0"/>
+              </a:rPr>
+              <a:t>handling errors</a:t>
+            </a:r>
+          </a:p>
+          <a:p>
+            <a:r>
+              <a:rPr lang="en-IN" sz="2000" b="1" dirty="0" err="1">
+                <a:solidFill>
+                  <a:schemeClr val="dk1"/>
+                </a:solidFill>
+                <a:latin typeface="Bell MT" pitchFamily="18" charset="0"/>
+              </a:rPr>
+              <a:t>Datastore</a:t>
+            </a:r>
+            <a:endParaRPr lang="en-IN" sz="2000" b="1" dirty="0">
+              <a:solidFill>
+                <a:schemeClr val="dk1"/>
+              </a:solidFill>
+              <a:latin typeface="Bell MT" pitchFamily="18" charset="0"/>
+            </a:endParaRPr>
+          </a:p>
+          <a:p>
+            <a:pPr lvl="1"/>
+            <a:r>
+              <a:rPr lang="en-IN" sz="2000" b="1" dirty="0">
+                <a:solidFill>
+                  <a:schemeClr val="dk1"/>
+                </a:solidFill>
+                <a:latin typeface="Bell MT" pitchFamily="18" charset="0"/>
+              </a:rPr>
               <a:t>read/write data</a:t>
             </a:r>
           </a:p>
@@ -5412,7 +5883,7 @@
           <p:cNvPr id="7" name="TextBox 6">
             <a:extLst>
               <a:ext uri="{FF2B5EF4-FFF2-40B4-BE49-F238E27FC236}">
-                <a16:creationId xmlns="" xmlns:a16="http://schemas.microsoft.com/office/drawing/2014/main" id="{D11C6DEC-D04E-4D85-B7B2-A4296C78BC94}"/>
+                <a16:creationId xmlns:a16="http://schemas.microsoft.com/office/drawing/2014/main" xmlns="" id="{D11C6DEC-D04E-4D85-B7B2-A4296C78BC94}"/>
               </a:ext>
             </a:extLst>
           </p:cNvPr>
@@ -6335,109 +6806,6 @@
 </p:sld>
 </file>
 
-<file path=ppt/slides/slide4.xml><?xml version="1.0" encoding="utf-8"?>
-<p:sld xmlns:a="http://schemas.openxmlformats.org/drawingml/2006/main" xmlns:r="http://schemas.openxmlformats.org/officeDocument/2006/relationships" xmlns:p="http://schemas.openxmlformats.org/presentationml/2006/main">
-  <p:cSld>
-    <p:spTree>
-      <p:nvGrpSpPr>
-        <p:cNvPr id="1" name=""/>
-        <p:cNvGrpSpPr/>
-        <p:nvPr/>
-      </p:nvGrpSpPr>
-      <p:grpSpPr>
-        <a:xfrm>
-          <a:off x="0" y="0"/>
-          <a:ext cx="0" cy="0"/>
-          <a:chOff x="0" y="0"/>
-          <a:chExt cx="0" cy="0"/>
-        </a:xfrm>
-      </p:grpSpPr>
-      <p:sp>
-        <p:nvSpPr>
-          <p:cNvPr id="2" name="TextBox 1">
-            <a:extLst>
-              <a:ext uri="{FF2B5EF4-FFF2-40B4-BE49-F238E27FC236}">
-                <a16:creationId xmlns="" xmlns:a16="http://schemas.microsoft.com/office/drawing/2014/main" id="{D11C6DEC-D04E-4D85-B7B2-A4296C78BC94}"/>
-              </a:ext>
-            </a:extLst>
-          </p:cNvPr>
-          <p:cNvSpPr txBox="1"/>
-          <p:nvPr/>
-        </p:nvSpPr>
-        <p:spPr>
-          <a:xfrm>
-            <a:off x="0" y="2945421"/>
-            <a:ext cx="12192000" cy="769441"/>
-          </a:xfrm>
-          <a:prstGeom prst="rect">
-            <a:avLst/>
-          </a:prstGeom>
-        </p:spPr>
-        <p:style>
-          <a:lnRef idx="1">
-            <a:schemeClr val="accent3"/>
-          </a:lnRef>
-          <a:fillRef idx="2">
-            <a:schemeClr val="accent3"/>
-          </a:fillRef>
-          <a:effectRef idx="1">
-            <a:schemeClr val="accent3"/>
-          </a:effectRef>
-          <a:fontRef idx="minor">
-            <a:schemeClr val="dk1"/>
-          </a:fontRef>
-        </p:style>
-        <p:txBody>
-          <a:bodyPr wrap="square" rtlCol="0">
-            <a:spAutoFit/>
-          </a:bodyPr>
-          <a:lstStyle/>
-          <a:p>
-            <a:pPr algn="ctr"/>
-            <a:r>
-              <a:rPr lang="en-US" sz="4400" b="1" dirty="0">
-                <a:latin typeface="Bell MT" pitchFamily="18" charset="0"/>
-              </a:rPr>
-              <a:t>Thank</a:t>
-            </a:r>
-            <a:r>
-              <a:rPr lang="en-US" sz="4000" b="1" dirty="0"/>
-              <a:t> </a:t>
-            </a:r>
-            <a:r>
-              <a:rPr lang="en-US" sz="4400" b="1" dirty="0">
-                <a:latin typeface="Bell MT" pitchFamily="18" charset="0"/>
-              </a:rPr>
-              <a:t>you</a:t>
-            </a:r>
-            <a:r>
-              <a:rPr lang="en-US" sz="4000" b="1" dirty="0"/>
-              <a:t> </a:t>
-            </a:r>
-            <a:endParaRPr lang="en-IN" sz="4000" b="1" dirty="0"/>
-          </a:p>
-        </p:txBody>
-      </p:sp>
-    </p:spTree>
-    <p:extLst>
-      <p:ext uri="{BB962C8B-B14F-4D97-AF65-F5344CB8AC3E}">
-        <p14:creationId xmlns:p14="http://schemas.microsoft.com/office/powerpoint/2010/main" val="2011205578"/>
-      </p:ext>
-    </p:extLst>
-  </p:cSld>
-  <p:clrMapOvr>
-    <a:masterClrMapping/>
-  </p:clrMapOvr>
-  <p:timing>
-    <p:tnLst>
-      <p:par>
-        <p:cTn id="1" dur="indefinite" restart="never" nodeType="tmRoot"/>
-      </p:par>
-    </p:tnLst>
-  </p:timing>
-</p:sld>
-</file>
-
 <file path=ppt/theme/theme1.xml><?xml version="1.0" encoding="utf-8"?>
 <a:theme xmlns:a="http://schemas.openxmlformats.org/drawingml/2006/main" name="Office Theme">
   <a:themeElements>
@@ -6727,7 +7095,7 @@
   <a:extraClrSchemeLst/>
   <a:extLst>
     <a:ext uri="{05A4C25C-085E-4340-85A3-A5531E510DB2}">
-      <thm15:themeFamily xmlns="" xmlns:thm15="http://schemas.microsoft.com/office/thememl/2012/main" name="Office Theme" id="{62F939B6-93AF-4DB8-9C6B-D6C7DFDC589F}" vid="{4A3C46E8-61CC-4603-A589-7422A47A8E4A}"/>
+      <thm15:themeFamily xmlns:thm15="http://schemas.microsoft.com/office/thememl/2012/main" xmlns="" name="Office Theme" id="{62F939B6-93AF-4DB8-9C6B-D6C7DFDC589F}" vid="{4A3C46E8-61CC-4603-A589-7422A47A8E4A}"/>
     </a:ext>
   </a:extLst>
 </a:theme>
